--- a/inst/cheatsheet/rlistings_cheatsheet_03-24.pptx
+++ b/inst/cheatsheet/rlistings_cheatsheet_03-24.pptx
@@ -322,9 +322,125 @@
 <file path=ppt/revisionInfo.xml><?xml version="1.0" encoding="utf-8"?>
 <p1510:revInfo xmlns:a="http://schemas.openxmlformats.org/drawingml/2006/main" xmlns:r="http://schemas.openxmlformats.org/officeDocument/2006/relationships" xmlns:p1510="http://schemas.microsoft.com/office/powerpoint/2015/10/main">
   <p1510:revLst>
-    <p1510:client id="{149BC69C-D370-49F1-823E-EA141B564766}" v="95" dt="2024-02-28T23:51:13.154"/>
+    <p1510:client id="{C28DD9B6-2AA9-4C19-800F-64726C6C2701}" v="2" dt="2024-03-02T00:06:30.192"/>
   </p1510:revLst>
 </p1510:revInfo>
+</file>
+
+<file path=ppt/changesInfos/changesInfo1.xml><?xml version="1.0" encoding="utf-8"?>
+<pc:chgInfo xmlns:a="http://schemas.openxmlformats.org/drawingml/2006/main" xmlns:r="http://schemas.openxmlformats.org/officeDocument/2006/relationships" xmlns:ac="http://schemas.microsoft.com/office/drawing/2013/main/command" xmlns:pc="http://schemas.microsoft.com/office/powerpoint/2013/main/command">
+  <pc:docChgLst>
+    <pc:chgData name="Emily de la Rua" userId="c1b55363d1472818" providerId="LiveId" clId="{C28DD9B6-2AA9-4C19-800F-64726C6C2701}"/>
+    <pc:docChg chg="undo redo custSel modSld">
+      <pc:chgData name="Emily de la Rua" userId="c1b55363d1472818" providerId="LiveId" clId="{C28DD9B6-2AA9-4C19-800F-64726C6C2701}" dt="2024-03-02T00:06:43.242" v="362" actId="20577"/>
+      <pc:docMkLst>
+        <pc:docMk/>
+      </pc:docMkLst>
+      <pc:sldChg chg="modSp mod">
+        <pc:chgData name="Emily de la Rua" userId="c1b55363d1472818" providerId="LiveId" clId="{C28DD9B6-2AA9-4C19-800F-64726C6C2701}" dt="2024-03-02T00:06:43.242" v="362" actId="20577"/>
+        <pc:sldMkLst>
+          <pc:docMk/>
+          <pc:sldMk cId="0" sldId="256"/>
+        </pc:sldMkLst>
+        <pc:spChg chg="mod">
+          <ac:chgData name="Emily de la Rua" userId="c1b55363d1472818" providerId="LiveId" clId="{C28DD9B6-2AA9-4C19-800F-64726C6C2701}" dt="2024-03-01T23:47:39.702" v="116"/>
+          <ac:spMkLst>
+            <pc:docMk/>
+            <pc:sldMk cId="0" sldId="256"/>
+            <ac:spMk id="2" creationId="{3E3DFEB5-08A0-9279-D705-B840907B50B0}"/>
+          </ac:spMkLst>
+        </pc:spChg>
+        <pc:spChg chg="mod">
+          <ac:chgData name="Emily de la Rua" userId="c1b55363d1472818" providerId="LiveId" clId="{C28DD9B6-2AA9-4C19-800F-64726C6C2701}" dt="2024-03-01T23:44:22.127" v="19" actId="1076"/>
+          <ac:spMkLst>
+            <pc:docMk/>
+            <pc:sldMk cId="0" sldId="256"/>
+            <ac:spMk id="3" creationId="{BFF954AB-9953-1ACC-393A-0A788D1C608E}"/>
+          </ac:spMkLst>
+        </pc:spChg>
+        <pc:spChg chg="mod">
+          <ac:chgData name="Emily de la Rua" userId="c1b55363d1472818" providerId="LiveId" clId="{C28DD9B6-2AA9-4C19-800F-64726C6C2701}" dt="2024-03-01T23:44:28.759" v="27" actId="1037"/>
+          <ac:spMkLst>
+            <pc:docMk/>
+            <pc:sldMk cId="0" sldId="256"/>
+            <ac:spMk id="5" creationId="{7AE1A845-0793-BAC5-0F08-1BF89A25D0A2}"/>
+          </ac:spMkLst>
+        </pc:spChg>
+        <pc:spChg chg="mod">
+          <ac:chgData name="Emily de la Rua" userId="c1b55363d1472818" providerId="LiveId" clId="{C28DD9B6-2AA9-4C19-800F-64726C6C2701}" dt="2024-03-02T00:06:43.242" v="362" actId="20577"/>
+          <ac:spMkLst>
+            <pc:docMk/>
+            <pc:sldMk cId="0" sldId="256"/>
+            <ac:spMk id="16" creationId="{105D9551-DE29-3740-4D84-D127DD4BFDA6}"/>
+          </ac:spMkLst>
+        </pc:spChg>
+        <pc:spChg chg="mod">
+          <ac:chgData name="Emily de la Rua" userId="c1b55363d1472818" providerId="LiveId" clId="{C28DD9B6-2AA9-4C19-800F-64726C6C2701}" dt="2024-03-01T23:45:32.237" v="75" actId="14100"/>
+          <ac:spMkLst>
+            <pc:docMk/>
+            <pc:sldMk cId="0" sldId="256"/>
+            <ac:spMk id="142" creationId="{83827613-2A85-35FF-1467-E8DB186F104F}"/>
+          </ac:spMkLst>
+        </pc:spChg>
+      </pc:sldChg>
+      <pc:sldChg chg="modSp mod">
+        <pc:chgData name="Emily de la Rua" userId="c1b55363d1472818" providerId="LiveId" clId="{C28DD9B6-2AA9-4C19-800F-64726C6C2701}" dt="2024-03-01T23:59:13.876" v="250" actId="13926"/>
+        <pc:sldMkLst>
+          <pc:docMk/>
+          <pc:sldMk cId="0" sldId="257"/>
+        </pc:sldMkLst>
+        <pc:spChg chg="mod">
+          <ac:chgData name="Emily de la Rua" userId="c1b55363d1472818" providerId="LiveId" clId="{C28DD9B6-2AA9-4C19-800F-64726C6C2701}" dt="2024-03-01T23:57:46.822" v="240" actId="13926"/>
+          <ac:spMkLst>
+            <pc:docMk/>
+            <pc:sldMk cId="0" sldId="257"/>
+            <ac:spMk id="43" creationId="{106F497C-008C-8BCA-C813-4C14CE280EF7}"/>
+          </ac:spMkLst>
+        </pc:spChg>
+        <pc:spChg chg="mod">
+          <ac:chgData name="Emily de la Rua" userId="c1b55363d1472818" providerId="LiveId" clId="{C28DD9B6-2AA9-4C19-800F-64726C6C2701}" dt="2024-03-01T23:57:53.094" v="242" actId="13926"/>
+          <ac:spMkLst>
+            <pc:docMk/>
+            <pc:sldMk cId="0" sldId="257"/>
+            <ac:spMk id="44" creationId="{DB1E2B7E-9FC2-C49A-2BE4-E8961377E7DD}"/>
+          </ac:spMkLst>
+        </pc:spChg>
+        <pc:spChg chg="mod">
+          <ac:chgData name="Emily de la Rua" userId="c1b55363d1472818" providerId="LiveId" clId="{C28DD9B6-2AA9-4C19-800F-64726C6C2701}" dt="2024-03-01T23:51:11.644" v="160" actId="13926"/>
+          <ac:spMkLst>
+            <pc:docMk/>
+            <pc:sldMk cId="0" sldId="257"/>
+            <ac:spMk id="57" creationId="{03E8F64D-3CCD-C7DD-0728-CE10EF118667}"/>
+          </ac:spMkLst>
+        </pc:spChg>
+        <pc:spChg chg="mod">
+          <ac:chgData name="Emily de la Rua" userId="c1b55363d1472818" providerId="LiveId" clId="{C28DD9B6-2AA9-4C19-800F-64726C6C2701}" dt="2024-03-01T23:58:52.845" v="243" actId="13926"/>
+          <ac:spMkLst>
+            <pc:docMk/>
+            <pc:sldMk cId="0" sldId="257"/>
+            <ac:spMk id="158" creationId="{290C89CE-D1B3-6C30-52BB-D118D5C38420}"/>
+          </ac:spMkLst>
+        </pc:spChg>
+        <pc:spChg chg="mod">
+          <ac:chgData name="Emily de la Rua" userId="c1b55363d1472818" providerId="LiveId" clId="{C28DD9B6-2AA9-4C19-800F-64726C6C2701}" dt="2024-03-01T23:59:13.876" v="250" actId="13926"/>
+          <ac:spMkLst>
+            <pc:docMk/>
+            <pc:sldMk cId="0" sldId="257"/>
+            <ac:spMk id="161" creationId="{F45DFDEC-A711-5CF4-5609-9EE1002416DE}"/>
+          </ac:spMkLst>
+        </pc:spChg>
+        <pc:spChg chg="mod">
+          <ac:chgData name="Emily de la Rua" userId="c1b55363d1472818" providerId="LiveId" clId="{C28DD9B6-2AA9-4C19-800F-64726C6C2701}" dt="2024-03-01T23:50:22.458" v="155" actId="13926"/>
+          <ac:spMkLst>
+            <pc:docMk/>
+            <pc:sldMk cId="0" sldId="257"/>
+            <ac:spMk id="481" creationId="{2B6E716E-58C9-BF5A-1725-C4BBC0DB386E}"/>
+          </ac:spMkLst>
+        </pc:spChg>
+      </pc:sldChg>
+    </pc:docChg>
+  </pc:docChgLst>
+</pc:chgInfo>
 </file>
 
 <file path=ppt/notesMasters/notesMaster1.xml><?xml version="1.0" encoding="utf-8"?>
@@ -2275,7 +2391,7 @@
           </a:ln>
           <a:extLst>
             <a:ext uri="{C572A759-6A51-4108-AA02-DFA0A04FC94B}">
-              <ma14:wrappingTextBoxFlag xmlns="" xmlns:m="http://schemas.openxmlformats.org/officeDocument/2006/math" xmlns:a14="http://schemas.microsoft.com/office/drawing/2010/main" xmlns:ma14="http://schemas.microsoft.com/office/mac/drawingml/2011/main" val="1"/>
+              <ma14:wrappingTextBoxFlag xmlns:ma14="http://schemas.microsoft.com/office/mac/drawingml/2011/main" xmlns:a14="http://schemas.microsoft.com/office/drawing/2010/main" xmlns:m="http://schemas.openxmlformats.org/officeDocument/2006/math" xmlns="" val="1"/>
             </a:ext>
           </a:extLst>
         </p:spPr>
@@ -2314,7 +2430,7 @@
           </a:ln>
           <a:extLst>
             <a:ext uri="{C572A759-6A51-4108-AA02-DFA0A04FC94B}">
-              <ma14:wrappingTextBoxFlag xmlns="" xmlns:m="http://schemas.openxmlformats.org/officeDocument/2006/math" xmlns:a14="http://schemas.microsoft.com/office/drawing/2010/main" xmlns:ma14="http://schemas.microsoft.com/office/mac/drawingml/2011/main" val="1"/>
+              <ma14:wrappingTextBoxFlag xmlns:ma14="http://schemas.microsoft.com/office/mac/drawingml/2011/main" xmlns:a14="http://schemas.microsoft.com/office/drawing/2010/main" xmlns:m="http://schemas.openxmlformats.org/officeDocument/2006/math" xmlns="" val="1"/>
             </a:ext>
           </a:extLst>
         </p:spPr>
@@ -3307,7 +3423,7 @@
             </a:ln>
             <a:extLst>
               <a:ext uri="{C572A759-6A51-4108-AA02-DFA0A04FC94B}">
-                <ma14:wrappingTextBoxFlag xmlns="" xmlns:m="http://schemas.openxmlformats.org/officeDocument/2006/math" xmlns:a14="http://schemas.microsoft.com/office/drawing/2010/main" xmlns:ma14="http://schemas.microsoft.com/office/mac/drawingml/2011/main" val="1"/>
+                <ma14:wrappingTextBoxFlag xmlns:ma14="http://schemas.microsoft.com/office/mac/drawingml/2011/main" xmlns:a14="http://schemas.microsoft.com/office/drawing/2010/main" xmlns:m="http://schemas.openxmlformats.org/officeDocument/2006/math" xmlns="" val="1"/>
               </a:ext>
             </a:extLst>
           </p:spPr>
@@ -3583,7 +3699,7 @@
             </a:ln>
             <a:extLst>
               <a:ext uri="{C572A759-6A51-4108-AA02-DFA0A04FC94B}">
-                <ma14:wrappingTextBoxFlag xmlns="" xmlns:m="http://schemas.openxmlformats.org/officeDocument/2006/math" xmlns:a14="http://schemas.microsoft.com/office/drawing/2010/main" xmlns:ma14="http://schemas.microsoft.com/office/mac/drawingml/2011/main" val="1"/>
+                <ma14:wrappingTextBoxFlag xmlns:ma14="http://schemas.microsoft.com/office/mac/drawingml/2011/main" xmlns:a14="http://schemas.microsoft.com/office/drawing/2010/main" xmlns:m="http://schemas.openxmlformats.org/officeDocument/2006/math" xmlns="" val="1"/>
               </a:ext>
             </a:extLst>
           </p:spPr>
@@ -6460,7 +6576,7 @@
             </a:ln>
             <a:extLst>
               <a:ext uri="{C572A759-6A51-4108-AA02-DFA0A04FC94B}">
-                <ma14:wrappingTextBoxFlag xmlns="" xmlns:m="http://schemas.openxmlformats.org/officeDocument/2006/math" xmlns:a14="http://schemas.microsoft.com/office/drawing/2010/main" xmlns:ma14="http://schemas.microsoft.com/office/mac/drawingml/2011/main" val="1"/>
+                <ma14:wrappingTextBoxFlag xmlns:ma14="http://schemas.microsoft.com/office/mac/drawingml/2011/main" xmlns:a14="http://schemas.microsoft.com/office/drawing/2010/main" xmlns:m="http://schemas.openxmlformats.org/officeDocument/2006/math" xmlns="" val="1"/>
               </a:ext>
             </a:extLst>
           </p:spPr>
@@ -6612,7 +6728,7 @@
             </a:ln>
             <a:extLst>
               <a:ext uri="{C572A759-6A51-4108-AA02-DFA0A04FC94B}">
-                <ma14:wrappingTextBoxFlag xmlns="" xmlns:m="http://schemas.openxmlformats.org/officeDocument/2006/math" xmlns:a14="http://schemas.microsoft.com/office/drawing/2010/main" xmlns:ma14="http://schemas.microsoft.com/office/mac/drawingml/2011/main" val="1"/>
+                <ma14:wrappingTextBoxFlag xmlns:ma14="http://schemas.microsoft.com/office/mac/drawingml/2011/main" xmlns:a14="http://schemas.microsoft.com/office/drawing/2010/main" xmlns:m="http://schemas.openxmlformats.org/officeDocument/2006/math" xmlns="" val="1"/>
               </a:ext>
             </a:extLst>
           </p:spPr>
@@ -6732,7 +6848,7 @@
             </a:ln>
             <a:extLst>
               <a:ext uri="{C572A759-6A51-4108-AA02-DFA0A04FC94B}">
-                <ma14:wrappingTextBoxFlag xmlns="" xmlns:m="http://schemas.openxmlformats.org/officeDocument/2006/math" xmlns:a14="http://schemas.microsoft.com/office/drawing/2010/main" xmlns:ma14="http://schemas.microsoft.com/office/mac/drawingml/2011/main" val="1"/>
+                <ma14:wrappingTextBoxFlag xmlns:ma14="http://schemas.microsoft.com/office/mac/drawingml/2011/main" xmlns:a14="http://schemas.microsoft.com/office/drawing/2010/main" xmlns:m="http://schemas.openxmlformats.org/officeDocument/2006/math" xmlns="" val="1"/>
               </a:ext>
             </a:extLst>
           </p:spPr>
@@ -6882,7 +6998,7 @@
           <p:spPr>
             <a:xfrm>
               <a:off x="10120521" y="7265303"/>
-              <a:ext cx="2938253" cy="2475673"/>
+              <a:ext cx="3026945" cy="2475673"/>
             </a:xfrm>
             <a:prstGeom prst="rect">
               <a:avLst/>
@@ -6898,7 +7014,7 @@
             </a:ln>
             <a:extLst>
               <a:ext uri="{C572A759-6A51-4108-AA02-DFA0A04FC94B}">
-                <ma14:wrappingTextBoxFlag xmlns="" xmlns:m="http://schemas.openxmlformats.org/officeDocument/2006/math" xmlns:a14="http://schemas.microsoft.com/office/drawing/2010/main" xmlns:ma14="http://schemas.microsoft.com/office/mac/drawingml/2011/main" val="1"/>
+                <ma14:wrappingTextBoxFlag xmlns:ma14="http://schemas.microsoft.com/office/mac/drawingml/2011/main" xmlns:a14="http://schemas.microsoft.com/office/drawing/2010/main" xmlns:m="http://schemas.openxmlformats.org/officeDocument/2006/math" xmlns="" val="1"/>
               </a:ext>
             </a:extLst>
           </p:spPr>
@@ -6987,7 +7103,7 @@
                   <a:ea typeface="Droid Sans Mono" panose="020B0609030804020204" pitchFamily="49" charset="0"/>
                   <a:cs typeface="Droid Sans Mono" panose="020B0609030804020204" pitchFamily="49" charset="0"/>
                 </a:rPr>
-                <a:t>————————————————————————————————————————</a:t>
+                <a:t>—————————————————————————————————————————</a:t>
               </a:r>
             </a:p>
             <a:p>
@@ -7007,7 +7123,7 @@
                   <a:ea typeface="Droid Sans Mono" panose="020B0609030804020204" pitchFamily="49" charset="0"/>
                   <a:cs typeface="Droid Sans Mono" panose="020B0609030804020204" pitchFamily="49" charset="0"/>
                 </a:rPr>
-                <a:t>        Stratification         Biomarker</a:t>
+                <a:t>        Stratif.   Stratif.         Bmrkr</a:t>
               </a:r>
             </a:p>
             <a:p>
@@ -7027,7 +7143,7 @@
                   <a:ea typeface="Droid Sans Mono" panose="020B0609030804020204" pitchFamily="49" charset="0"/>
                   <a:cs typeface="Droid Sans Mono" panose="020B0609030804020204" pitchFamily="49" charset="0"/>
                 </a:rPr>
-                <a:t> Arm       Factor 1      Age    Level 2 </a:t>
+                <a:t> Arm    Factor 1   Factor 2   Age   Lvl 2</a:t>
               </a:r>
             </a:p>
             <a:p>
@@ -7047,7 +7163,7 @@
                   <a:ea typeface="Droid Sans Mono" panose="020B0609030804020204" pitchFamily="49" charset="0"/>
                   <a:cs typeface="Droid Sans Mono" panose="020B0609030804020204" pitchFamily="49" charset="0"/>
                 </a:rPr>
-                <a:t>————————————————————————————————————————</a:t>
+                <a:t>—————————————————————————————————————————</a:t>
               </a:r>
             </a:p>
             <a:p>
@@ -7067,7 +7183,7 @@
                   <a:ea typeface="Droid Sans Mono" panose="020B0609030804020204" pitchFamily="49" charset="0"/>
                   <a:cs typeface="Droid Sans Mono" panose="020B0609030804020204" pitchFamily="49" charset="0"/>
                 </a:rPr>
-                <a:t>ARM X         A          30       LOW   </a:t>
+                <a:t>ARM X      B          X       27     NA  </a:t>
               </a:r>
             </a:p>
             <a:p>
@@ -7087,7 +7203,7 @@
                   <a:ea typeface="Droid Sans Mono" panose="020B0609030804020204" pitchFamily="49" charset="0"/>
                   <a:cs typeface="Droid Sans Mono" panose="020B0609030804020204" pitchFamily="49" charset="0"/>
                 </a:rPr>
-                <a:t>                         39      HIGH   </a:t>
+                <a:t>                      X       43     LOW </a:t>
               </a:r>
             </a:p>
             <a:p>
@@ -7107,7 +7223,7 @@
                   <a:ea typeface="Droid Sans Mono" panose="020B0609030804020204" pitchFamily="49" charset="0"/>
                   <a:cs typeface="Droid Sans Mono" panose="020B0609030804020204" pitchFamily="49" charset="0"/>
                 </a:rPr>
-                <a:t>              B          26       LOW   </a:t>
+                <a:t>ARM Y      A          Y       34    HIGH </a:t>
               </a:r>
             </a:p>
             <a:p>
@@ -7127,7 +7243,7 @@
                   <a:ea typeface="Droid Sans Mono" panose="020B0609030804020204" pitchFamily="49" charset="0"/>
                   <a:cs typeface="Droid Sans Mono" panose="020B0609030804020204" pitchFamily="49" charset="0"/>
                 </a:rPr>
-                <a:t>                         27      HIGH   </a:t>
+                <a:t>                      Y       50     LOW </a:t>
               </a:r>
             </a:p>
             <a:p>
@@ -7147,7 +7263,7 @@
                   <a:ea typeface="Droid Sans Mono" panose="020B0609030804020204" pitchFamily="49" charset="0"/>
                   <a:cs typeface="Droid Sans Mono" panose="020B0609030804020204" pitchFamily="49" charset="0"/>
                 </a:rPr>
-                <a:t>ARM Y         A          27       LOW   </a:t>
+                <a:t>           B          Y       42    HIGH </a:t>
               </a:r>
             </a:p>
             <a:p>
@@ -7167,7 +7283,7 @@
                   <a:ea typeface="Droid Sans Mono" panose="020B0609030804020204" pitchFamily="49" charset="0"/>
                   <a:cs typeface="Droid Sans Mono" panose="020B0609030804020204" pitchFamily="49" charset="0"/>
                 </a:rPr>
-                <a:t>              B          26       LOW   </a:t>
+                <a:t>                      X       NA     LOW </a:t>
               </a:r>
             </a:p>
             <a:p>
@@ -7187,7 +7303,7 @@
                   <a:ea typeface="Droid Sans Mono" panose="020B0609030804020204" pitchFamily="49" charset="0"/>
                   <a:cs typeface="Droid Sans Mono" panose="020B0609030804020204" pitchFamily="49" charset="0"/>
                 </a:rPr>
-                <a:t>                         57      HIGH   </a:t>
+                <a:t>                      Y       26     LOW </a:t>
               </a:r>
             </a:p>
             <a:p>
@@ -7207,7 +7323,7 @@
                   <a:ea typeface="Droid Sans Mono" panose="020B0609030804020204" pitchFamily="49" charset="0"/>
                   <a:cs typeface="Droid Sans Mono" panose="020B0609030804020204" pitchFamily="49" charset="0"/>
                 </a:rPr>
-                <a:t>————————————————————————————————————————</a:t>
+                <a:t>—————————————————————————————————————————</a:t>
               </a:r>
             </a:p>
             <a:p>
@@ -7464,7 +7580,7 @@
             </a:ln>
             <a:extLst>
               <a:ext uri="{C572A759-6A51-4108-AA02-DFA0A04FC94B}">
-                <ma14:wrappingTextBoxFlag xmlns="" xmlns:m="http://schemas.openxmlformats.org/officeDocument/2006/math" xmlns:a14="http://schemas.microsoft.com/office/drawing/2010/main" xmlns:ma14="http://schemas.microsoft.com/office/mac/drawingml/2011/main" val="1"/>
+                <ma14:wrappingTextBoxFlag xmlns:ma14="http://schemas.microsoft.com/office/mac/drawingml/2011/main" xmlns:a14="http://schemas.microsoft.com/office/drawing/2010/main" xmlns:m="http://schemas.openxmlformats.org/officeDocument/2006/math" xmlns="" val="1"/>
               </a:ext>
             </a:extLst>
           </p:spPr>
@@ -7508,7 +7624,7 @@
             </a:ln>
             <a:extLst>
               <a:ext uri="{C572A759-6A51-4108-AA02-DFA0A04FC94B}">
-                <ma14:wrappingTextBoxFlag xmlns="" xmlns:m="http://schemas.openxmlformats.org/officeDocument/2006/math" xmlns:a14="http://schemas.microsoft.com/office/drawing/2010/main" xmlns:ma14="http://schemas.microsoft.com/office/mac/drawingml/2011/main" val="1"/>
+                <ma14:wrappingTextBoxFlag xmlns:ma14="http://schemas.microsoft.com/office/mac/drawingml/2011/main" xmlns:a14="http://schemas.microsoft.com/office/drawing/2010/main" xmlns:m="http://schemas.openxmlformats.org/officeDocument/2006/math" xmlns="" val="1"/>
               </a:ext>
             </a:extLst>
           </p:spPr>
@@ -7541,8 +7657,8 @@
           </p:nvSpPr>
           <p:spPr>
             <a:xfrm>
-              <a:off x="380101" y="9521450"/>
-              <a:ext cx="6055624" cy="238094"/>
+              <a:off x="380101" y="9299383"/>
+              <a:ext cx="6185502" cy="460161"/>
             </a:xfrm>
             <a:prstGeom prst="rect">
               <a:avLst/>
@@ -7552,7 +7668,7 @@
             </a:ln>
             <a:extLst>
               <a:ext uri="{C572A759-6A51-4108-AA02-DFA0A04FC94B}">
-                <ma14:wrappingTextBoxFlag xmlns="" xmlns:m="http://schemas.openxmlformats.org/officeDocument/2006/math" xmlns:a14="http://schemas.microsoft.com/office/drawing/2010/main" xmlns:ma14="http://schemas.microsoft.com/office/mac/drawingml/2011/main" val="1"/>
+                <ma14:wrappingTextBoxFlag xmlns:ma14="http://schemas.microsoft.com/office/mac/drawingml/2011/main" xmlns:a14="http://schemas.microsoft.com/office/drawing/2010/main" xmlns:m="http://schemas.openxmlformats.org/officeDocument/2006/math" xmlns="" val="1"/>
               </a:ext>
             </a:extLst>
           </p:spPr>
@@ -7599,7 +7715,14 @@
                 <a:rPr lang="en-US" sz="1400" dirty="0">
                   <a:latin typeface="+mj-lt"/>
                 </a:rPr>
-                <a:t> of the Introduction vignette</a:t>
+                <a:t> of the Introduction vignette, for information on adding referential footnotes see the </a:t>
+              </a:r>
+              <a:r>
+                <a:rPr lang="en-US" sz="1400" dirty="0">
+                  <a:latin typeface="+mj-lt"/>
+                  <a:hlinkClick r:id="rId10"/>
+                </a:rPr>
+                <a:t>Referential Footnotes vignette</a:t>
               </a:r>
               <a:endParaRPr sz="1400" dirty="0">
                 <a:latin typeface="+mj-lt"/>
@@ -7781,7 +7904,7 @@
             </a:ln>
             <a:extLst>
               <a:ext uri="{C572A759-6A51-4108-AA02-DFA0A04FC94B}">
-                <ma14:wrappingTextBoxFlag xmlns="" xmlns:m="http://schemas.openxmlformats.org/officeDocument/2006/math" xmlns:a14="http://schemas.microsoft.com/office/drawing/2010/main" xmlns:ma14="http://schemas.microsoft.com/office/mac/drawingml/2011/main" val="1"/>
+                <ma14:wrappingTextBoxFlag xmlns:ma14="http://schemas.microsoft.com/office/mac/drawingml/2011/main" xmlns:a14="http://schemas.microsoft.com/office/drawing/2010/main" xmlns:m="http://schemas.openxmlformats.org/officeDocument/2006/math" xmlns="" val="1"/>
               </a:ext>
             </a:extLst>
           </p:spPr>
@@ -7883,8 +8006,8 @@
           </p:nvSpPr>
           <p:spPr>
             <a:xfrm>
-              <a:off x="3707727" y="2831752"/>
-              <a:ext cx="3762440" cy="3323458"/>
+              <a:off x="3623435" y="2831752"/>
+              <a:ext cx="3832900" cy="2426043"/>
             </a:xfrm>
             <a:prstGeom prst="rect">
               <a:avLst/>
@@ -7900,7 +8023,7 @@
             </a:ln>
             <a:extLst>
               <a:ext uri="{C572A759-6A51-4108-AA02-DFA0A04FC94B}">
-                <ma14:wrappingTextBoxFlag xmlns="" xmlns:m="http://schemas.openxmlformats.org/officeDocument/2006/math" xmlns:a14="http://schemas.microsoft.com/office/drawing/2010/main" xmlns:ma14="http://schemas.microsoft.com/office/mac/drawingml/2011/main" val="1"/>
+                <ma14:wrappingTextBoxFlag xmlns:ma14="http://schemas.microsoft.com/office/mac/drawingml/2011/main" xmlns:a14="http://schemas.microsoft.com/office/drawing/2010/main" xmlns:m="http://schemas.openxmlformats.org/officeDocument/2006/math" xmlns="" val="1"/>
               </a:ext>
             </a:extLst>
           </p:spPr>
@@ -7955,126 +8078,91 @@
               <a:pPr marL="85725" indent="95250"/>
               <a:r>
                 <a:rPr lang="en-US" sz="1100" dirty="0"/>
-                <a:t>        Stratification         Biomarker</a:t>
+                <a:t>        Stratif.   Stratif.         Bmrkr</a:t>
               </a:r>
             </a:p>
             <a:p>
               <a:pPr marL="85725" indent="95250"/>
               <a:r>
                 <a:rPr lang="en-US" sz="1100" dirty="0"/>
-                <a:t> Arm       Factor 1      Age    Level 2 </a:t>
+                <a:t> Arm    Factor 1   Factor 2   Age   Lvl 2</a:t>
               </a:r>
             </a:p>
             <a:p>
               <a:pPr marL="85725" indent="95250"/>
               <a:r>
                 <a:rPr lang="en-US" sz="1100" dirty="0"/>
-                <a:t>————————————————————————————————————————</a:t>
+                <a:t>—————————————————————————————————————————</a:t>
               </a:r>
             </a:p>
             <a:p>
               <a:pPr marL="85725" indent="95250"/>
               <a:r>
                 <a:rPr lang="en-US" sz="1100" dirty="0"/>
-                <a:t>ARM X         A          30       LOW   </a:t>
+                <a:t>ARM X      B          X       27     NA  </a:t>
               </a:r>
             </a:p>
             <a:p>
               <a:pPr marL="85725" indent="95250"/>
               <a:r>
                 <a:rPr lang="en-US" sz="1100" dirty="0"/>
-                <a:t>                         39      HIGH   </a:t>
+                <a:t>                      X       43     LOW </a:t>
               </a:r>
             </a:p>
             <a:p>
               <a:pPr marL="85725" indent="95250"/>
               <a:r>
                 <a:rPr lang="en-US" sz="1100" dirty="0"/>
-                <a:t>                         32      HIGH   </a:t>
+                <a:t>                      X       25     NA  </a:t>
               </a:r>
             </a:p>
             <a:p>
               <a:pPr marL="85725" indent="95250"/>
               <a:r>
                 <a:rPr lang="en-US" sz="1100" dirty="0"/>
-                <a:t>              B          26       LOW   </a:t>
+                <a:t>ARM Y      A          Y       34    HIGH </a:t>
               </a:r>
             </a:p>
             <a:p>
               <a:pPr marL="85725" indent="95250"/>
               <a:r>
                 <a:rPr lang="en-US" sz="1100" dirty="0"/>
-                <a:t>                         27      HIGH   </a:t>
+                <a:t>                      Y       50     LOW </a:t>
               </a:r>
             </a:p>
             <a:p>
               <a:pPr marL="85725" indent="95250"/>
               <a:r>
                 <a:rPr lang="en-US" sz="1100" dirty="0"/>
-                <a:t>                         25      HIGH   </a:t>
+                <a:t>                      Y       NA     LOW </a:t>
               </a:r>
             </a:p>
             <a:p>
               <a:pPr marL="85725" indent="95250"/>
               <a:r>
                 <a:rPr lang="en-US" sz="1100" dirty="0"/>
-                <a:t>                         39      HIGH   </a:t>
+                <a:t>           B          Y       42    HIGH </a:t>
               </a:r>
             </a:p>
             <a:p>
               <a:pPr marL="85725" indent="95250"/>
               <a:r>
                 <a:rPr lang="en-US" sz="1100" dirty="0"/>
-                <a:t>ARM Y         A          27       LOW   </a:t>
+                <a:t>                      X       NA     LOW </a:t>
               </a:r>
             </a:p>
             <a:p>
               <a:pPr marL="85725" indent="95250"/>
               <a:r>
                 <a:rPr lang="en-US" sz="1100" dirty="0"/>
-                <a:t>                         36       LOW   </a:t>
+                <a:t>                      Y       26     LOW </a:t>
               </a:r>
             </a:p>
             <a:p>
               <a:pPr marL="85725" indent="95250"/>
               <a:r>
                 <a:rPr lang="en-US" sz="1100" dirty="0"/>
-                <a:t>                         30      HIGH   </a:t>
-              </a:r>
-            </a:p>
-            <a:p>
-              <a:pPr marL="85725" indent="95250"/>
-              <a:r>
-                <a:rPr lang="en-US" sz="1100" dirty="0"/>
-                <a:t>              B          26       LOW   </a:t>
-              </a:r>
-            </a:p>
-            <a:p>
-              <a:pPr marL="85725" indent="95250"/>
-              <a:r>
-                <a:rPr lang="en-US" sz="1100" dirty="0"/>
-                <a:t>                         57      HIGH   </a:t>
-              </a:r>
-            </a:p>
-            <a:p>
-              <a:pPr marL="85725" indent="95250"/>
-              <a:r>
-                <a:rPr lang="en-US" sz="1100" dirty="0"/>
-                <a:t>                         36       LOW   </a:t>
-              </a:r>
-            </a:p>
-            <a:p>
-              <a:pPr marL="85725" indent="95250"/>
-              <a:r>
-                <a:rPr lang="en-US" sz="1100" dirty="0"/>
-                <a:t>                         26       LOW   </a:t>
-              </a:r>
-            </a:p>
-            <a:p>
-              <a:pPr marL="85725" indent="95250"/>
-              <a:r>
-                <a:rPr lang="en-US" sz="1100" dirty="0"/>
-                <a:t>                         42       LOW </a:t>
+                <a:t>           NA         Y       32    HIGH</a:t>
               </a:r>
             </a:p>
           </p:txBody>
@@ -8093,7 +8181,7 @@
           </p:nvSpPr>
           <p:spPr>
             <a:xfrm>
-              <a:off x="3707727" y="2535776"/>
+              <a:off x="3631527" y="2535776"/>
               <a:ext cx="2584195" cy="210314"/>
             </a:xfrm>
             <a:prstGeom prst="rect">
@@ -8104,7 +8192,7 @@
             </a:ln>
             <a:extLst>
               <a:ext uri="{C572A759-6A51-4108-AA02-DFA0A04FC94B}">
-                <ma14:wrappingTextBoxFlag xmlns="" xmlns:m="http://schemas.openxmlformats.org/officeDocument/2006/math" xmlns:a14="http://schemas.microsoft.com/office/drawing/2010/main" xmlns:ma14="http://schemas.microsoft.com/office/mac/drawingml/2011/main" val="1"/>
+                <ma14:wrappingTextBoxFlag xmlns:ma14="http://schemas.microsoft.com/office/mac/drawingml/2011/main" xmlns:a14="http://schemas.microsoft.com/office/drawing/2010/main" xmlns:m="http://schemas.openxmlformats.org/officeDocument/2006/math" xmlns="" val="1"/>
               </a:ext>
             </a:extLst>
           </p:spPr>
@@ -8137,8 +8225,8 @@
           </p:nvSpPr>
           <p:spPr>
             <a:xfrm>
-              <a:off x="486031" y="2832408"/>
-              <a:ext cx="2930703" cy="1474734"/>
+              <a:off x="486031" y="2832407"/>
+              <a:ext cx="2930703" cy="1958667"/>
             </a:xfrm>
             <a:prstGeom prst="rect">
               <a:avLst/>
@@ -8154,7 +8242,7 @@
             </a:ln>
             <a:extLst>
               <a:ext uri="{C572A759-6A51-4108-AA02-DFA0A04FC94B}">
-                <ma14:wrappingTextBoxFlag xmlns="" xmlns:m="http://schemas.openxmlformats.org/officeDocument/2006/math" xmlns:a14="http://schemas.microsoft.com/office/drawing/2010/main" xmlns:ma14="http://schemas.microsoft.com/office/mac/drawingml/2011/main" val="1"/>
+                <ma14:wrappingTextBoxFlag xmlns:ma14="http://schemas.microsoft.com/office/mac/drawingml/2011/main" xmlns:a14="http://schemas.microsoft.com/office/drawing/2010/main" xmlns:m="http://schemas.openxmlformats.org/officeDocument/2006/math" xmlns="" val="1"/>
               </a:ext>
             </a:extLst>
           </p:spPr>
@@ -8272,7 +8360,63 @@
                   <a:ea typeface="Droid Sans Mono" panose="020B0609030804020204" pitchFamily="49" charset="0"/>
                   <a:cs typeface="Droid Sans Mono" panose="020B0609030804020204" pitchFamily="49" charset="0"/>
                 </a:rPr>
-                <a:t>  disp_cols = c("AGE", "BMRKR2")</a:t>
+                <a:t>  disp_cols = c(</a:t>
+              </a:r>
+            </a:p>
+            <a:p>
+              <a:pPr marL="85725">
+                <a:lnSpc>
+                  <a:spcPct val="150000"/>
+                </a:lnSpc>
+                <a:spcBef>
+                  <a:spcPts val="0"/>
+                </a:spcBef>
+                <a:defRPr b="0">
+                  <a:solidFill>
+                    <a:srgbClr val="000000"/>
+                  </a:solidFill>
+                </a:defRPr>
+              </a:pPr>
+              <a:r>
+                <a:rPr lang="en-US" sz="1100" dirty="0">
+                  <a:solidFill>
+                    <a:schemeClr val="bg2">
+                      <a:lumMod val="10000"/>
+                    </a:schemeClr>
+                  </a:solidFill>
+                  <a:latin typeface="Droid Sans Mono" panose="020B0609030804020204" pitchFamily="49" charset="0"/>
+                  <a:ea typeface="Droid Sans Mono" panose="020B0609030804020204" pitchFamily="49" charset="0"/>
+                  <a:cs typeface="Droid Sans Mono" panose="020B0609030804020204" pitchFamily="49" charset="0"/>
+                </a:rPr>
+                <a:t>    "STRATA2", "AGE", "BMRKR2"</a:t>
+              </a:r>
+            </a:p>
+            <a:p>
+              <a:pPr marL="85725">
+                <a:lnSpc>
+                  <a:spcPct val="150000"/>
+                </a:lnSpc>
+                <a:spcBef>
+                  <a:spcPts val="0"/>
+                </a:spcBef>
+                <a:defRPr b="0">
+                  <a:solidFill>
+                    <a:srgbClr val="000000"/>
+                  </a:solidFill>
+                </a:defRPr>
+              </a:pPr>
+              <a:r>
+                <a:rPr lang="en-US" sz="1100" dirty="0">
+                  <a:solidFill>
+                    <a:schemeClr val="bg2">
+                      <a:lumMod val="10000"/>
+                    </a:schemeClr>
+                  </a:solidFill>
+                  <a:latin typeface="Droid Sans Mono" panose="020B0609030804020204" pitchFamily="49" charset="0"/>
+                  <a:ea typeface="Droid Sans Mono" panose="020B0609030804020204" pitchFamily="49" charset="0"/>
+                  <a:cs typeface="Droid Sans Mono" panose="020B0609030804020204" pitchFamily="49" charset="0"/>
+                </a:rPr>
+                <a:t>  )</a:t>
               </a:r>
             </a:p>
             <a:p>
@@ -8330,7 +8474,7 @@
             </a:ln>
             <a:extLst>
               <a:ext uri="{C572A759-6A51-4108-AA02-DFA0A04FC94B}">
-                <ma14:wrappingTextBoxFlag xmlns="" xmlns:m="http://schemas.openxmlformats.org/officeDocument/2006/math" xmlns:a14="http://schemas.microsoft.com/office/drawing/2010/main" xmlns:ma14="http://schemas.microsoft.com/office/mac/drawingml/2011/main" val="1"/>
+                <ma14:wrappingTextBoxFlag xmlns:ma14="http://schemas.microsoft.com/office/mac/drawingml/2011/main" xmlns:a14="http://schemas.microsoft.com/office/drawing/2010/main" xmlns:m="http://schemas.openxmlformats.org/officeDocument/2006/math" xmlns="" val="1"/>
               </a:ext>
             </a:extLst>
           </p:spPr>
@@ -8374,7 +8518,7 @@
             </a:ln>
             <a:extLst>
               <a:ext uri="{C572A759-6A51-4108-AA02-DFA0A04FC94B}">
-                <ma14:wrappingTextBoxFlag xmlns="" xmlns:m="http://schemas.openxmlformats.org/officeDocument/2006/math" xmlns:a14="http://schemas.microsoft.com/office/drawing/2010/main" xmlns:ma14="http://schemas.microsoft.com/office/mac/drawingml/2011/main" val="1"/>
+                <ma14:wrappingTextBoxFlag xmlns:ma14="http://schemas.microsoft.com/office/mac/drawingml/2011/main" xmlns:a14="http://schemas.microsoft.com/office/drawing/2010/main" xmlns:m="http://schemas.openxmlformats.org/officeDocument/2006/math" xmlns="" val="1"/>
               </a:ext>
             </a:extLst>
           </p:spPr>
@@ -8645,7 +8789,7 @@
           <p:nvPr/>
         </p:nvPicPr>
         <p:blipFill>
-          <a:blip r:embed="rId10" cstate="print">
+          <a:blip r:embed="rId11" cstate="print">
             <a:extLst>
               <a:ext uri="{28A0092B-C50C-407E-A947-70E740481C1C}">
                 <a14:useLocalDpi xmlns:a14="http://schemas.microsoft.com/office/drawing/2010/main" val="0"/>
@@ -8902,7 +9046,7 @@
             </a:ln>
             <a:extLst>
               <a:ext uri="{C572A759-6A51-4108-AA02-DFA0A04FC94B}">
-                <ma14:wrappingTextBoxFlag xmlns="" xmlns:m="http://schemas.openxmlformats.org/officeDocument/2006/math" xmlns:a14="http://schemas.microsoft.com/office/drawing/2010/main" xmlns:ma14="http://schemas.microsoft.com/office/mac/drawingml/2011/main" val="1"/>
+                <ma14:wrappingTextBoxFlag xmlns:ma14="http://schemas.microsoft.com/office/mac/drawingml/2011/main" xmlns:a14="http://schemas.microsoft.com/office/drawing/2010/main" xmlns:m="http://schemas.openxmlformats.org/officeDocument/2006/math" xmlns="" val="1"/>
               </a:ext>
             </a:extLst>
           </p:spPr>
@@ -9136,7 +9280,7 @@
             </a:ln>
             <a:extLst>
               <a:ext uri="{C572A759-6A51-4108-AA02-DFA0A04FC94B}">
-                <ma14:wrappingTextBoxFlag xmlns="" xmlns:m="http://schemas.openxmlformats.org/officeDocument/2006/math" xmlns:a14="http://schemas.microsoft.com/office/drawing/2010/main" xmlns:ma14="http://schemas.microsoft.com/office/mac/drawingml/2011/main" val="1"/>
+                <ma14:wrappingTextBoxFlag xmlns:ma14="http://schemas.microsoft.com/office/mac/drawingml/2011/main" xmlns:a14="http://schemas.microsoft.com/office/drawing/2010/main" xmlns:m="http://schemas.openxmlformats.org/officeDocument/2006/math" xmlns="" val="1"/>
               </a:ext>
             </a:extLst>
           </p:spPr>
@@ -9258,7 +9402,7 @@
             </a:ln>
             <a:extLst>
               <a:ext uri="{C572A759-6A51-4108-AA02-DFA0A04FC94B}">
-                <ma14:wrappingTextBoxFlag xmlns="" xmlns:m="http://schemas.openxmlformats.org/officeDocument/2006/math" xmlns:a14="http://schemas.microsoft.com/office/drawing/2010/main" xmlns:ma14="http://schemas.microsoft.com/office/mac/drawingml/2011/main" val="1"/>
+                <ma14:wrappingTextBoxFlag xmlns:ma14="http://schemas.microsoft.com/office/mac/drawingml/2011/main" xmlns:a14="http://schemas.microsoft.com/office/drawing/2010/main" xmlns:m="http://schemas.openxmlformats.org/officeDocument/2006/math" xmlns="" val="1"/>
               </a:ext>
             </a:extLst>
           </p:spPr>
@@ -9607,7 +9751,7 @@
             </a:ln>
             <a:extLst>
               <a:ext uri="{C572A759-6A51-4108-AA02-DFA0A04FC94B}">
-                <ma14:wrappingTextBoxFlag xmlns="" xmlns:m="http://schemas.openxmlformats.org/officeDocument/2006/math" xmlns:a14="http://schemas.microsoft.com/office/drawing/2010/main" xmlns:ma14="http://schemas.microsoft.com/office/mac/drawingml/2011/main" val="1"/>
+                <ma14:wrappingTextBoxFlag xmlns:ma14="http://schemas.microsoft.com/office/mac/drawingml/2011/main" xmlns:a14="http://schemas.microsoft.com/office/drawing/2010/main" xmlns:m="http://schemas.openxmlformats.org/officeDocument/2006/math" xmlns="" val="1"/>
               </a:ext>
             </a:extLst>
           </p:spPr>
@@ -9875,7 +10019,7 @@
             </a:ln>
             <a:extLst>
               <a:ext uri="{C572A759-6A51-4108-AA02-DFA0A04FC94B}">
-                <ma14:wrappingTextBoxFlag xmlns="" xmlns:m="http://schemas.openxmlformats.org/officeDocument/2006/math" xmlns:a14="http://schemas.microsoft.com/office/drawing/2010/main" xmlns:ma14="http://schemas.microsoft.com/office/mac/drawingml/2011/main" val="1"/>
+                <ma14:wrappingTextBoxFlag xmlns:ma14="http://schemas.microsoft.com/office/mac/drawingml/2011/main" xmlns:a14="http://schemas.microsoft.com/office/drawing/2010/main" xmlns:m="http://schemas.openxmlformats.org/officeDocument/2006/math" xmlns="" val="1"/>
               </a:ext>
             </a:extLst>
           </p:spPr>
@@ -9919,7 +10063,7 @@
             </a:ln>
             <a:extLst>
               <a:ext uri="{C572A759-6A51-4108-AA02-DFA0A04FC94B}">
-                <ma14:wrappingTextBoxFlag xmlns="" xmlns:m="http://schemas.openxmlformats.org/officeDocument/2006/math" xmlns:a14="http://schemas.microsoft.com/office/drawing/2010/main" xmlns:ma14="http://schemas.microsoft.com/office/mac/drawingml/2011/main" val="1"/>
+                <ma14:wrappingTextBoxFlag xmlns:ma14="http://schemas.microsoft.com/office/mac/drawingml/2011/main" xmlns:a14="http://schemas.microsoft.com/office/drawing/2010/main" xmlns:m="http://schemas.openxmlformats.org/officeDocument/2006/math" xmlns="" val="1"/>
               </a:ext>
             </a:extLst>
           </p:spPr>
@@ -9963,7 +10107,7 @@
             </a:ln>
             <a:extLst>
               <a:ext uri="{C572A759-6A51-4108-AA02-DFA0A04FC94B}">
-                <ma14:wrappingTextBoxFlag xmlns="" xmlns:m="http://schemas.openxmlformats.org/officeDocument/2006/math" xmlns:a14="http://schemas.microsoft.com/office/drawing/2010/main" xmlns:ma14="http://schemas.microsoft.com/office/mac/drawingml/2011/main" val="1"/>
+                <ma14:wrappingTextBoxFlag xmlns:ma14="http://schemas.microsoft.com/office/mac/drawingml/2011/main" xmlns:a14="http://schemas.microsoft.com/office/drawing/2010/main" xmlns:m="http://schemas.openxmlformats.org/officeDocument/2006/math" xmlns="" val="1"/>
               </a:ext>
             </a:extLst>
           </p:spPr>
@@ -10165,7 +10309,7 @@
             </a:ln>
             <a:extLst>
               <a:ext uri="{C572A759-6A51-4108-AA02-DFA0A04FC94B}">
-                <ma14:wrappingTextBoxFlag xmlns="" xmlns:m="http://schemas.openxmlformats.org/officeDocument/2006/math" xmlns:a14="http://schemas.microsoft.com/office/drawing/2010/main" xmlns:ma14="http://schemas.microsoft.com/office/mac/drawingml/2011/main" val="1"/>
+                <ma14:wrappingTextBoxFlag xmlns:ma14="http://schemas.microsoft.com/office/mac/drawingml/2011/main" xmlns:a14="http://schemas.microsoft.com/office/drawing/2010/main" xmlns:m="http://schemas.openxmlformats.org/officeDocument/2006/math" xmlns="" val="1"/>
               </a:ext>
             </a:extLst>
           </p:spPr>
@@ -10342,7 +10486,7 @@
             </a:ln>
             <a:extLst>
               <a:ext uri="{C572A759-6A51-4108-AA02-DFA0A04FC94B}">
-                <ma14:wrappingTextBoxFlag xmlns="" xmlns:m="http://schemas.openxmlformats.org/officeDocument/2006/math" xmlns:a14="http://schemas.microsoft.com/office/drawing/2010/main" xmlns:ma14="http://schemas.microsoft.com/office/mac/drawingml/2011/main" val="1"/>
+                <ma14:wrappingTextBoxFlag xmlns:ma14="http://schemas.microsoft.com/office/mac/drawingml/2011/main" xmlns:a14="http://schemas.microsoft.com/office/drawing/2010/main" xmlns:m="http://schemas.openxmlformats.org/officeDocument/2006/math" xmlns="" val="1"/>
               </a:ext>
             </a:extLst>
           </p:spPr>
@@ -10410,7 +10554,7 @@
             </a:ln>
             <a:extLst>
               <a:ext uri="{C572A759-6A51-4108-AA02-DFA0A04FC94B}">
-                <ma14:wrappingTextBoxFlag xmlns="" xmlns:m="http://schemas.openxmlformats.org/officeDocument/2006/math" xmlns:a14="http://schemas.microsoft.com/office/drawing/2010/main" xmlns:ma14="http://schemas.microsoft.com/office/mac/drawingml/2011/main" val="1"/>
+                <ma14:wrappingTextBoxFlag xmlns:ma14="http://schemas.microsoft.com/office/mac/drawingml/2011/main" xmlns:a14="http://schemas.microsoft.com/office/drawing/2010/main" xmlns:m="http://schemas.openxmlformats.org/officeDocument/2006/math" xmlns="" val="1"/>
               </a:ext>
             </a:extLst>
           </p:spPr>
@@ -10507,8 +10651,8 @@
           </p:nvSpPr>
           <p:spPr>
             <a:xfrm>
-              <a:off x="6340267" y="5442041"/>
-              <a:ext cx="4131127" cy="2014834"/>
+              <a:off x="6370747" y="5442041"/>
+              <a:ext cx="4131127" cy="2014832"/>
             </a:xfrm>
             <a:prstGeom prst="rect">
               <a:avLst/>
@@ -10524,7 +10668,7 @@
             </a:ln>
             <a:extLst>
               <a:ext uri="{C572A759-6A51-4108-AA02-DFA0A04FC94B}">
-                <ma14:wrappingTextBoxFlag xmlns="" xmlns:m="http://schemas.openxmlformats.org/officeDocument/2006/math" xmlns:a14="http://schemas.microsoft.com/office/drawing/2010/main" xmlns:ma14="http://schemas.microsoft.com/office/mac/drawingml/2011/main" val="1"/>
+                <ma14:wrappingTextBoxFlag xmlns:ma14="http://schemas.microsoft.com/office/mac/drawingml/2011/main" xmlns:a14="http://schemas.microsoft.com/office/drawing/2010/main" xmlns:m="http://schemas.openxmlformats.org/officeDocument/2006/math" xmlns="" val="1"/>
               </a:ext>
             </a:extLst>
           </p:spPr>
@@ -10548,12 +10692,17 @@
                     <a:srgbClr val="111111"/>
                   </a:solidFill>
                   <a:effectLst/>
-                  <a:latin typeface="Courier New" panose="02070309020205020404" pitchFamily="49" charset="0"/>
+                  <a:latin typeface="Droid Sans Mono" panose="020B0609030804020204" pitchFamily="49" charset="0"/>
+                  <a:ea typeface="Droid Sans Mono" panose="020B0609030804020204" pitchFamily="49" charset="0"/>
+                  <a:cs typeface="Droid Sans Mono" panose="020B0609030804020204" pitchFamily="49" charset="0"/>
                 </a:rPr>
                 <a:t>col_fmt &lt;- list(</a:t>
               </a:r>
               <a:endParaRPr lang="en-CA" sz="1200" b="0" dirty="0">
                 <a:effectLst/>
+                <a:latin typeface="Droid Sans Mono" panose="020B0609030804020204" pitchFamily="49" charset="0"/>
+                <a:ea typeface="Droid Sans Mono" panose="020B0609030804020204" pitchFamily="49" charset="0"/>
+                <a:cs typeface="Droid Sans Mono" panose="020B0609030804020204" pitchFamily="49" charset="0"/>
               </a:endParaRPr>
             </a:p>
             <a:p>
@@ -10571,12 +10720,35 @@
                     <a:srgbClr val="111111"/>
                   </a:solidFill>
                   <a:effectLst/>
-                  <a:latin typeface="Courier New" panose="02070309020205020404" pitchFamily="49" charset="0"/>
-                </a:rPr>
-                <a:t>  BMRKR2 = fmt_config(</a:t>
+                  <a:latin typeface="Droid Sans Mono" panose="020B0609030804020204" pitchFamily="49" charset="0"/>
+                  <a:ea typeface="Droid Sans Mono" panose="020B0609030804020204" pitchFamily="49" charset="0"/>
+                  <a:cs typeface="Droid Sans Mono" panose="020B0609030804020204" pitchFamily="49" charset="0"/>
+                </a:rPr>
+                <a:t>  </a:t>
+              </a:r>
+              <a:r>
+                <a:rPr lang="en-CA" sz="1800" b="0" i="0" u="none" strike="noStrike" dirty="0">
+                  <a:solidFill>
+                    <a:srgbClr val="111111"/>
+                  </a:solidFill>
+                  <a:effectLst/>
+                  <a:highlight>
+                    <a:srgbClr val="F8DFAE"/>
+                  </a:highlight>
+                  <a:latin typeface="Droid Sans Mono" panose="020B0609030804020204" pitchFamily="49" charset="0"/>
+                  <a:ea typeface="Droid Sans Mono" panose="020B0609030804020204" pitchFamily="49" charset="0"/>
+                  <a:cs typeface="Droid Sans Mono" panose="020B0609030804020204" pitchFamily="49" charset="0"/>
+                </a:rPr>
+                <a:t>BMRKR2 = fmt_config(</a:t>
               </a:r>
               <a:endParaRPr lang="en-CA" sz="1200" b="0" dirty="0">
                 <a:effectLst/>
+                <a:highlight>
+                  <a:srgbClr val="F8DFAE"/>
+                </a:highlight>
+                <a:latin typeface="Droid Sans Mono" panose="020B0609030804020204" pitchFamily="49" charset="0"/>
+                <a:ea typeface="Droid Sans Mono" panose="020B0609030804020204" pitchFamily="49" charset="0"/>
+                <a:cs typeface="Droid Sans Mono" panose="020B0609030804020204" pitchFamily="49" charset="0"/>
               </a:endParaRPr>
             </a:p>
             <a:p>
@@ -10594,12 +10766,44 @@
                     <a:srgbClr val="111111"/>
                   </a:solidFill>
                   <a:effectLst/>
-                  <a:latin typeface="Courier New" panose="02070309020205020404" pitchFamily="49" charset="0"/>
-                </a:rPr>
-                <a:t>    format = function(x, ...) paste("Lvl:", x), </a:t>
+                  <a:latin typeface="Droid Sans Mono" panose="020B0609030804020204" pitchFamily="49" charset="0"/>
+                  <a:ea typeface="Droid Sans Mono" panose="020B0609030804020204" pitchFamily="49" charset="0"/>
+                  <a:cs typeface="Droid Sans Mono" panose="020B0609030804020204" pitchFamily="49" charset="0"/>
+                </a:rPr>
+                <a:t>    </a:t>
+              </a:r>
+              <a:r>
+                <a:rPr lang="en-CA" sz="1800" b="0" i="0" u="none" strike="noStrike" dirty="0">
+                  <a:solidFill>
+                    <a:srgbClr val="111111"/>
+                  </a:solidFill>
+                  <a:effectLst/>
+                  <a:highlight>
+                    <a:srgbClr val="F8DFAE"/>
+                  </a:highlight>
+                  <a:latin typeface="Droid Sans Mono" panose="020B0609030804020204" pitchFamily="49" charset="0"/>
+                  <a:ea typeface="Droid Sans Mono" panose="020B0609030804020204" pitchFamily="49" charset="0"/>
+                  <a:cs typeface="Droid Sans Mono" panose="020B0609030804020204" pitchFamily="49" charset="0"/>
+                </a:rPr>
+                <a:t>format = function(x, ...) paste("Lvl:", x),</a:t>
+              </a:r>
+              <a:r>
+                <a:rPr lang="en-CA" sz="1800" b="0" i="0" u="none" strike="noStrike" dirty="0">
+                  <a:solidFill>
+                    <a:srgbClr val="111111"/>
+                  </a:solidFill>
+                  <a:effectLst/>
+                  <a:latin typeface="Droid Sans Mono" panose="020B0609030804020204" pitchFamily="49" charset="0"/>
+                  <a:ea typeface="Droid Sans Mono" panose="020B0609030804020204" pitchFamily="49" charset="0"/>
+                  <a:cs typeface="Droid Sans Mono" panose="020B0609030804020204" pitchFamily="49" charset="0"/>
+                </a:rPr>
+                <a:t> </a:t>
               </a:r>
               <a:endParaRPr lang="en-CA" sz="1200" b="0" dirty="0">
                 <a:effectLst/>
+                <a:latin typeface="Droid Sans Mono" panose="020B0609030804020204" pitchFamily="49" charset="0"/>
+                <a:ea typeface="Droid Sans Mono" panose="020B0609030804020204" pitchFamily="49" charset="0"/>
+                <a:cs typeface="Droid Sans Mono" panose="020B0609030804020204" pitchFamily="49" charset="0"/>
               </a:endParaRPr>
             </a:p>
             <a:p>
@@ -10617,12 +10821,44 @@
                     <a:srgbClr val="111111"/>
                   </a:solidFill>
                   <a:effectLst/>
-                  <a:latin typeface="Courier New" panose="02070309020205020404" pitchFamily="49" charset="0"/>
-                </a:rPr>
-                <a:t>    na_str = "MISSING", </a:t>
+                  <a:latin typeface="Droid Sans Mono" panose="020B0609030804020204" pitchFamily="49" charset="0"/>
+                  <a:ea typeface="Droid Sans Mono" panose="020B0609030804020204" pitchFamily="49" charset="0"/>
+                  <a:cs typeface="Droid Sans Mono" panose="020B0609030804020204" pitchFamily="49" charset="0"/>
+                </a:rPr>
+                <a:t>    </a:t>
+              </a:r>
+              <a:r>
+                <a:rPr lang="en-CA" sz="1800" b="0" i="0" u="none" strike="noStrike" dirty="0">
+                  <a:solidFill>
+                    <a:srgbClr val="111111"/>
+                  </a:solidFill>
+                  <a:effectLst/>
+                  <a:highlight>
+                    <a:srgbClr val="F8DFAE"/>
+                  </a:highlight>
+                  <a:latin typeface="Droid Sans Mono" panose="020B0609030804020204" pitchFamily="49" charset="0"/>
+                  <a:ea typeface="Droid Sans Mono" panose="020B0609030804020204" pitchFamily="49" charset="0"/>
+                  <a:cs typeface="Droid Sans Mono" panose="020B0609030804020204" pitchFamily="49" charset="0"/>
+                </a:rPr>
+                <a:t>na_str = "MISSING",</a:t>
+              </a:r>
+              <a:r>
+                <a:rPr lang="en-CA" sz="1800" b="0" i="0" u="none" strike="noStrike" dirty="0">
+                  <a:solidFill>
+                    <a:srgbClr val="111111"/>
+                  </a:solidFill>
+                  <a:effectLst/>
+                  <a:latin typeface="Droid Sans Mono" panose="020B0609030804020204" pitchFamily="49" charset="0"/>
+                  <a:ea typeface="Droid Sans Mono" panose="020B0609030804020204" pitchFamily="49" charset="0"/>
+                  <a:cs typeface="Droid Sans Mono" panose="020B0609030804020204" pitchFamily="49" charset="0"/>
+                </a:rPr>
+                <a:t> </a:t>
               </a:r>
               <a:endParaRPr lang="en-CA" sz="1200" b="0" dirty="0">
                 <a:effectLst/>
+                <a:latin typeface="Droid Sans Mono" panose="020B0609030804020204" pitchFamily="49" charset="0"/>
+                <a:ea typeface="Droid Sans Mono" panose="020B0609030804020204" pitchFamily="49" charset="0"/>
+                <a:cs typeface="Droid Sans Mono" panose="020B0609030804020204" pitchFamily="49" charset="0"/>
               </a:endParaRPr>
             </a:p>
             <a:p>
@@ -10640,12 +10876,35 @@
                     <a:srgbClr val="111111"/>
                   </a:solidFill>
                   <a:effectLst/>
-                  <a:latin typeface="Courier New" panose="02070309020205020404" pitchFamily="49" charset="0"/>
-                </a:rPr>
-                <a:t>    align = "right"</a:t>
+                  <a:latin typeface="Droid Sans Mono" panose="020B0609030804020204" pitchFamily="49" charset="0"/>
+                  <a:ea typeface="Droid Sans Mono" panose="020B0609030804020204" pitchFamily="49" charset="0"/>
+                  <a:cs typeface="Droid Sans Mono" panose="020B0609030804020204" pitchFamily="49" charset="0"/>
+                </a:rPr>
+                <a:t>    </a:t>
+              </a:r>
+              <a:r>
+                <a:rPr lang="en-CA" sz="1800" b="0" i="0" u="none" strike="noStrike" dirty="0">
+                  <a:solidFill>
+                    <a:srgbClr val="111111"/>
+                  </a:solidFill>
+                  <a:effectLst/>
+                  <a:highlight>
+                    <a:srgbClr val="F8DFAE"/>
+                  </a:highlight>
+                  <a:latin typeface="Droid Sans Mono" panose="020B0609030804020204" pitchFamily="49" charset="0"/>
+                  <a:ea typeface="Droid Sans Mono" panose="020B0609030804020204" pitchFamily="49" charset="0"/>
+                  <a:cs typeface="Droid Sans Mono" panose="020B0609030804020204" pitchFamily="49" charset="0"/>
+                </a:rPr>
+                <a:t>align = "right"</a:t>
               </a:r>
               <a:endParaRPr lang="en-CA" sz="1200" b="0" dirty="0">
                 <a:effectLst/>
+                <a:highlight>
+                  <a:srgbClr val="F8DFAE"/>
+                </a:highlight>
+                <a:latin typeface="Droid Sans Mono" panose="020B0609030804020204" pitchFamily="49" charset="0"/>
+                <a:ea typeface="Droid Sans Mono" panose="020B0609030804020204" pitchFamily="49" charset="0"/>
+                <a:cs typeface="Droid Sans Mono" panose="020B0609030804020204" pitchFamily="49" charset="0"/>
               </a:endParaRPr>
             </a:p>
             <a:p>
@@ -10663,12 +10922,35 @@
                     <a:srgbClr val="111111"/>
                   </a:solidFill>
                   <a:effectLst/>
-                  <a:latin typeface="Courier New" panose="02070309020205020404" pitchFamily="49" charset="0"/>
-                </a:rPr>
-                <a:t>  )</a:t>
+                  <a:latin typeface="Droid Sans Mono" panose="020B0609030804020204" pitchFamily="49" charset="0"/>
+                  <a:ea typeface="Droid Sans Mono" panose="020B0609030804020204" pitchFamily="49" charset="0"/>
+                  <a:cs typeface="Droid Sans Mono" panose="020B0609030804020204" pitchFamily="49" charset="0"/>
+                </a:rPr>
+                <a:t>  </a:t>
+              </a:r>
+              <a:r>
+                <a:rPr lang="en-CA" sz="1800" b="0" i="0" u="none" strike="noStrike" dirty="0">
+                  <a:solidFill>
+                    <a:srgbClr val="111111"/>
+                  </a:solidFill>
+                  <a:effectLst/>
+                  <a:highlight>
+                    <a:srgbClr val="F8DFAE"/>
+                  </a:highlight>
+                  <a:latin typeface="Droid Sans Mono" panose="020B0609030804020204" pitchFamily="49" charset="0"/>
+                  <a:ea typeface="Droid Sans Mono" panose="020B0609030804020204" pitchFamily="49" charset="0"/>
+                  <a:cs typeface="Droid Sans Mono" panose="020B0609030804020204" pitchFamily="49" charset="0"/>
+                </a:rPr>
+                <a:t>)</a:t>
               </a:r>
               <a:endParaRPr lang="en-CA" sz="1200" b="0" dirty="0">
                 <a:effectLst/>
+                <a:highlight>
+                  <a:srgbClr val="F8DFAE"/>
+                </a:highlight>
+                <a:latin typeface="Droid Sans Mono" panose="020B0609030804020204" pitchFamily="49" charset="0"/>
+                <a:ea typeface="Droid Sans Mono" panose="020B0609030804020204" pitchFamily="49" charset="0"/>
+                <a:cs typeface="Droid Sans Mono" panose="020B0609030804020204" pitchFamily="49" charset="0"/>
               </a:endParaRPr>
             </a:p>
             <a:p>
@@ -10686,12 +10968,17 @@
                     <a:srgbClr val="111111"/>
                   </a:solidFill>
                   <a:effectLst/>
-                  <a:latin typeface="Courier New" panose="02070309020205020404" pitchFamily="49" charset="0"/>
+                  <a:latin typeface="Droid Sans Mono" panose="020B0609030804020204" pitchFamily="49" charset="0"/>
+                  <a:ea typeface="Droid Sans Mono" panose="020B0609030804020204" pitchFamily="49" charset="0"/>
+                  <a:cs typeface="Droid Sans Mono" panose="020B0609030804020204" pitchFamily="49" charset="0"/>
                 </a:rPr>
                 <a:t>)</a:t>
               </a:r>
               <a:endParaRPr lang="en-CA" sz="1200" b="0" dirty="0">
                 <a:effectLst/>
+                <a:latin typeface="Droid Sans Mono" panose="020B0609030804020204" pitchFamily="49" charset="0"/>
+                <a:ea typeface="Droid Sans Mono" panose="020B0609030804020204" pitchFamily="49" charset="0"/>
+                <a:cs typeface="Droid Sans Mono" panose="020B0609030804020204" pitchFamily="49" charset="0"/>
               </a:endParaRPr>
             </a:p>
             <a:p>
@@ -10706,6 +10993,9 @@
               <a:br>
                 <a:rPr lang="en-CA" sz="1200" b="0" dirty="0">
                   <a:effectLst/>
+                  <a:latin typeface="Droid Sans Mono" panose="020B0609030804020204" pitchFamily="49" charset="0"/>
+                  <a:ea typeface="Droid Sans Mono" panose="020B0609030804020204" pitchFamily="49" charset="0"/>
+                  <a:cs typeface="Droid Sans Mono" panose="020B0609030804020204" pitchFamily="49" charset="0"/>
                 </a:rPr>
               </a:br>
               <a:r>
@@ -10714,12 +11004,17 @@
                     <a:srgbClr val="111111"/>
                   </a:solidFill>
                   <a:effectLst/>
-                  <a:latin typeface="Courier New" panose="02070309020205020404" pitchFamily="49" charset="0"/>
+                  <a:latin typeface="Droid Sans Mono" panose="020B0609030804020204" pitchFamily="49" charset="0"/>
+                  <a:ea typeface="Droid Sans Mono" panose="020B0609030804020204" pitchFamily="49" charset="0"/>
+                  <a:cs typeface="Droid Sans Mono" panose="020B0609030804020204" pitchFamily="49" charset="0"/>
                 </a:rPr>
                 <a:t>lstg &lt;- as_listing(</a:t>
               </a:r>
               <a:endParaRPr lang="en-CA" sz="1200" b="0" dirty="0">
                 <a:effectLst/>
+                <a:latin typeface="Droid Sans Mono" panose="020B0609030804020204" pitchFamily="49" charset="0"/>
+                <a:ea typeface="Droid Sans Mono" panose="020B0609030804020204" pitchFamily="49" charset="0"/>
+                <a:cs typeface="Droid Sans Mono" panose="020B0609030804020204" pitchFamily="49" charset="0"/>
               </a:endParaRPr>
             </a:p>
             <a:p>
@@ -10737,12 +11032,17 @@
                     <a:srgbClr val="111111"/>
                   </a:solidFill>
                   <a:effectLst/>
-                  <a:latin typeface="Courier New" panose="02070309020205020404" pitchFamily="49" charset="0"/>
+                  <a:latin typeface="Droid Sans Mono" panose="020B0609030804020204" pitchFamily="49" charset="0"/>
+                  <a:ea typeface="Droid Sans Mono" panose="020B0609030804020204" pitchFamily="49" charset="0"/>
+                  <a:cs typeface="Droid Sans Mono" panose="020B0609030804020204" pitchFamily="49" charset="0"/>
                 </a:rPr>
                 <a:t>  adsl_missing,</a:t>
               </a:r>
               <a:endParaRPr lang="en-CA" sz="1200" b="0" dirty="0">
                 <a:effectLst/>
+                <a:latin typeface="Droid Sans Mono" panose="020B0609030804020204" pitchFamily="49" charset="0"/>
+                <a:ea typeface="Droid Sans Mono" panose="020B0609030804020204" pitchFamily="49" charset="0"/>
+                <a:cs typeface="Droid Sans Mono" panose="020B0609030804020204" pitchFamily="49" charset="0"/>
               </a:endParaRPr>
             </a:p>
             <a:p>
@@ -10760,12 +11060,17 @@
                     <a:srgbClr val="111111"/>
                   </a:solidFill>
                   <a:effectLst/>
-                  <a:latin typeface="Courier New" panose="02070309020205020404" pitchFamily="49" charset="0"/>
+                  <a:latin typeface="Droid Sans Mono" panose="020B0609030804020204" pitchFamily="49" charset="0"/>
+                  <a:ea typeface="Droid Sans Mono" panose="020B0609030804020204" pitchFamily="49" charset="0"/>
+                  <a:cs typeface="Droid Sans Mono" panose="020B0609030804020204" pitchFamily="49" charset="0"/>
                 </a:rPr>
                 <a:t>  key_cols = c("ARM", "STRATA1"),</a:t>
               </a:r>
               <a:endParaRPr lang="en-CA" sz="1200" b="0" dirty="0">
                 <a:effectLst/>
+                <a:latin typeface="Droid Sans Mono" panose="020B0609030804020204" pitchFamily="49" charset="0"/>
+                <a:ea typeface="Droid Sans Mono" panose="020B0609030804020204" pitchFamily="49" charset="0"/>
+                <a:cs typeface="Droid Sans Mono" panose="020B0609030804020204" pitchFamily="49" charset="0"/>
               </a:endParaRPr>
             </a:p>
             <a:p>
@@ -10783,12 +11088,17 @@
                     <a:srgbClr val="111111"/>
                   </a:solidFill>
                   <a:effectLst/>
-                  <a:latin typeface="Courier New" panose="02070309020205020404" pitchFamily="49" charset="0"/>
+                  <a:latin typeface="Droid Sans Mono" panose="020B0609030804020204" pitchFamily="49" charset="0"/>
+                  <a:ea typeface="Droid Sans Mono" panose="020B0609030804020204" pitchFamily="49" charset="0"/>
+                  <a:cs typeface="Droid Sans Mono" panose="020B0609030804020204" pitchFamily="49" charset="0"/>
                 </a:rPr>
                 <a:t>  disp_cols = c("AGE", "BMRKR2"),</a:t>
               </a:r>
               <a:endParaRPr lang="en-CA" sz="1200" b="0" dirty="0">
                 <a:effectLst/>
+                <a:latin typeface="Droid Sans Mono" panose="020B0609030804020204" pitchFamily="49" charset="0"/>
+                <a:ea typeface="Droid Sans Mono" panose="020B0609030804020204" pitchFamily="49" charset="0"/>
+                <a:cs typeface="Droid Sans Mono" panose="020B0609030804020204" pitchFamily="49" charset="0"/>
               </a:endParaRPr>
             </a:p>
             <a:p>
@@ -10806,12 +11116,17 @@
                     <a:srgbClr val="111111"/>
                   </a:solidFill>
                   <a:effectLst/>
-                  <a:latin typeface="Courier New" panose="02070309020205020404" pitchFamily="49" charset="0"/>
+                  <a:latin typeface="Droid Sans Mono" panose="020B0609030804020204" pitchFamily="49" charset="0"/>
+                  <a:ea typeface="Droid Sans Mono" panose="020B0609030804020204" pitchFamily="49" charset="0"/>
+                  <a:cs typeface="Droid Sans Mono" panose="020B0609030804020204" pitchFamily="49" charset="0"/>
                 </a:rPr>
                 <a:t>  col_formatting = col_fmt</a:t>
               </a:r>
               <a:endParaRPr lang="en-CA" sz="1200" b="0" dirty="0">
                 <a:effectLst/>
+                <a:latin typeface="Droid Sans Mono" panose="020B0609030804020204" pitchFamily="49" charset="0"/>
+                <a:ea typeface="Droid Sans Mono" panose="020B0609030804020204" pitchFamily="49" charset="0"/>
+                <a:cs typeface="Droid Sans Mono" panose="020B0609030804020204" pitchFamily="49" charset="0"/>
               </a:endParaRPr>
             </a:p>
             <a:p>
@@ -10829,7 +11144,9 @@
                     <a:srgbClr val="111111"/>
                   </a:solidFill>
                   <a:effectLst/>
-                  <a:latin typeface="Courier New" panose="02070309020205020404" pitchFamily="49" charset="0"/>
+                  <a:latin typeface="Droid Sans Mono" panose="020B0609030804020204" pitchFamily="49" charset="0"/>
+                  <a:ea typeface="Droid Sans Mono" panose="020B0609030804020204" pitchFamily="49" charset="0"/>
+                  <a:cs typeface="Droid Sans Mono" panose="020B0609030804020204" pitchFamily="49" charset="0"/>
                 </a:rPr>
                 <a:t>)</a:t>
               </a:r>
@@ -10860,8 +11177,8 @@
           </p:nvSpPr>
           <p:spPr>
             <a:xfrm>
-              <a:off x="6645095" y="7559514"/>
-              <a:ext cx="3517997" cy="1870238"/>
+              <a:off x="6546020" y="7559514"/>
+              <a:ext cx="3780580" cy="1870238"/>
             </a:xfrm>
             <a:prstGeom prst="rect">
               <a:avLst/>
@@ -10877,17 +11194,17 @@
             </a:ln>
             <a:extLst>
               <a:ext uri="{C572A759-6A51-4108-AA02-DFA0A04FC94B}">
-                <ma14:wrappingTextBoxFlag xmlns="" xmlns:m="http://schemas.openxmlformats.org/officeDocument/2006/math" xmlns:a14="http://schemas.microsoft.com/office/drawing/2010/main" xmlns:ma14="http://schemas.microsoft.com/office/mac/drawingml/2011/main" val="1"/>
+                <ma14:wrappingTextBoxFlag xmlns:ma14="http://schemas.microsoft.com/office/mac/drawingml/2011/main" xmlns:a14="http://schemas.microsoft.com/office/drawing/2010/main" xmlns:m="http://schemas.openxmlformats.org/officeDocument/2006/math" xmlns="" val="1"/>
               </a:ext>
             </a:extLst>
           </p:spPr>
           <p:txBody>
             <a:bodyPr lIns="0" tIns="0" rIns="0" bIns="0" anchor="ctr">
-              <a:normAutofit lnSpcReduction="10000"/>
+              <a:normAutofit/>
             </a:bodyPr>
             <a:lstStyle/>
             <a:p>
-              <a:pPr marL="92075" indent="90488">
+              <a:pPr marL="92075">
                 <a:lnSpc>
                   <a:spcPct val="90000"/>
                 </a:lnSpc>
@@ -10911,11 +11228,40 @@
                   <a:ea typeface="Droid Sans Mono" panose="020B0609030804020204" pitchFamily="49" charset="0"/>
                   <a:cs typeface="Droid Sans Mono" panose="020B0609030804020204" pitchFamily="49" charset="0"/>
                 </a:rPr>
-                <a:t>        Stratification          Biomarker </a:t>
-              </a:r>
-            </a:p>
-            <a:p>
-              <a:pPr marL="92075" indent="90488">
+                <a:t>        Stratif.   Stratif.            </a:t>
+              </a:r>
+              <a:r>
+                <a:rPr lang="en-US" sz="1000" dirty="0">
+                  <a:solidFill>
+                    <a:schemeClr val="bg2">
+                      <a:lumMod val="10000"/>
+                    </a:schemeClr>
+                  </a:solidFill>
+                  <a:highlight>
+                    <a:srgbClr val="F8DFAE"/>
+                  </a:highlight>
+                  <a:latin typeface="Droid Sans Mono" panose="020B0609030804020204" pitchFamily="49" charset="0"/>
+                  <a:ea typeface="Droid Sans Mono" panose="020B0609030804020204" pitchFamily="49" charset="0"/>
+                  <a:cs typeface="Droid Sans Mono" panose="020B0609030804020204" pitchFamily="49" charset="0"/>
+                </a:rPr>
+                <a:t>Bmrkr</a:t>
+              </a:r>
+              <a:r>
+                <a:rPr lang="en-US" sz="1000" dirty="0">
+                  <a:solidFill>
+                    <a:schemeClr val="bg2">
+                      <a:lumMod val="10000"/>
+                    </a:schemeClr>
+                  </a:solidFill>
+                  <a:latin typeface="Droid Sans Mono" panose="020B0609030804020204" pitchFamily="49" charset="0"/>
+                  <a:ea typeface="Droid Sans Mono" panose="020B0609030804020204" pitchFamily="49" charset="0"/>
+                  <a:cs typeface="Droid Sans Mono" panose="020B0609030804020204" pitchFamily="49" charset="0"/>
+                </a:rPr>
+                <a:t>   </a:t>
+              </a:r>
+            </a:p>
+            <a:p>
+              <a:pPr marL="92075">
                 <a:lnSpc>
                   <a:spcPct val="90000"/>
                 </a:lnSpc>
@@ -10939,11 +11285,40 @@
                   <a:ea typeface="Droid Sans Mono" panose="020B0609030804020204" pitchFamily="49" charset="0"/>
                   <a:cs typeface="Droid Sans Mono" panose="020B0609030804020204" pitchFamily="49" charset="0"/>
                 </a:rPr>
-                <a:t> Arm       Factor 1      Age     Level 2  </a:t>
-              </a:r>
-            </a:p>
-            <a:p>
-              <a:pPr marL="92075" indent="90488">
+                <a:t> Arm    Factor 1   Factor 2   Age      </a:t>
+              </a:r>
+              <a:r>
+                <a:rPr lang="en-US" sz="1000" dirty="0">
+                  <a:solidFill>
+                    <a:schemeClr val="bg2">
+                      <a:lumMod val="10000"/>
+                    </a:schemeClr>
+                  </a:solidFill>
+                  <a:highlight>
+                    <a:srgbClr val="F8DFAE"/>
+                  </a:highlight>
+                  <a:latin typeface="Droid Sans Mono" panose="020B0609030804020204" pitchFamily="49" charset="0"/>
+                  <a:ea typeface="Droid Sans Mono" panose="020B0609030804020204" pitchFamily="49" charset="0"/>
+                  <a:cs typeface="Droid Sans Mono" panose="020B0609030804020204" pitchFamily="49" charset="0"/>
+                </a:rPr>
+                <a:t>Lvl 2</a:t>
+              </a:r>
+              <a:r>
+                <a:rPr lang="en-US" sz="1000" dirty="0">
+                  <a:solidFill>
+                    <a:schemeClr val="bg2">
+                      <a:lumMod val="10000"/>
+                    </a:schemeClr>
+                  </a:solidFill>
+                  <a:latin typeface="Droid Sans Mono" panose="020B0609030804020204" pitchFamily="49" charset="0"/>
+                  <a:ea typeface="Droid Sans Mono" panose="020B0609030804020204" pitchFamily="49" charset="0"/>
+                  <a:cs typeface="Droid Sans Mono" panose="020B0609030804020204" pitchFamily="49" charset="0"/>
+                </a:rPr>
+                <a:t>   </a:t>
+              </a:r>
+            </a:p>
+            <a:p>
+              <a:pPr marL="92075">
                 <a:lnSpc>
                   <a:spcPct val="90000"/>
                 </a:lnSpc>
@@ -10967,11 +11342,11 @@
                   <a:ea typeface="Droid Sans Mono" panose="020B0609030804020204" pitchFamily="49" charset="0"/>
                   <a:cs typeface="Droid Sans Mono" panose="020B0609030804020204" pitchFamily="49" charset="0"/>
                 </a:rPr>
-                <a:t>——————————————————————————————————————————</a:t>
-              </a:r>
-            </a:p>
-            <a:p>
-              <a:pPr marL="92075" indent="90488">
+                <a:t>———————————————————————————————————————————————</a:t>
+              </a:r>
+            </a:p>
+            <a:p>
+              <a:pPr marL="92075">
                 <a:lnSpc>
                   <a:spcPct val="90000"/>
                 </a:lnSpc>
@@ -10995,11 +11370,11 @@
                   <a:ea typeface="Droid Sans Mono" panose="020B0609030804020204" pitchFamily="49" charset="0"/>
                   <a:cs typeface="Droid Sans Mono" panose="020B0609030804020204" pitchFamily="49" charset="0"/>
                 </a:rPr>
-                <a:t>ARM X         A          NA       Lvl: LOW</a:t>
-              </a:r>
-            </a:p>
-            <a:p>
-              <a:pPr marL="92075" indent="90488">
+                <a:t>ARM X      B          X       27        MISSING</a:t>
+              </a:r>
+            </a:p>
+            <a:p>
+              <a:pPr marL="92075">
                 <a:lnSpc>
                   <a:spcPct val="90000"/>
                 </a:lnSpc>
@@ -11023,11 +11398,11 @@
                   <a:ea typeface="Droid Sans Mono" panose="020B0609030804020204" pitchFamily="49" charset="0"/>
                   <a:cs typeface="Droid Sans Mono" panose="020B0609030804020204" pitchFamily="49" charset="0"/>
                 </a:rPr>
-                <a:t>                         39      Lvl: HIGH</a:t>
-              </a:r>
-            </a:p>
-            <a:p>
-              <a:pPr marL="92075" indent="90488">
+                <a:t>                      X       43     Level: LOW</a:t>
+              </a:r>
+            </a:p>
+            <a:p>
+              <a:pPr marL="92075">
                 <a:lnSpc>
                   <a:spcPct val="90000"/>
                 </a:lnSpc>
@@ -11051,11 +11426,11 @@
                   <a:ea typeface="Droid Sans Mono" panose="020B0609030804020204" pitchFamily="49" charset="0"/>
                   <a:cs typeface="Droid Sans Mono" panose="020B0609030804020204" pitchFamily="49" charset="0"/>
                 </a:rPr>
-                <a:t>                         NA      Lvl: HIGH</a:t>
-              </a:r>
-            </a:p>
-            <a:p>
-              <a:pPr marL="92075" indent="90488">
+                <a:t>                      X       25        MISSING</a:t>
+              </a:r>
+            </a:p>
+            <a:p>
+              <a:pPr marL="92075">
                 <a:lnSpc>
                   <a:spcPct val="90000"/>
                 </a:lnSpc>
@@ -11079,11 +11454,11 @@
                   <a:ea typeface="Droid Sans Mono" panose="020B0609030804020204" pitchFamily="49" charset="0"/>
                   <a:cs typeface="Droid Sans Mono" panose="020B0609030804020204" pitchFamily="49" charset="0"/>
                 </a:rPr>
-                <a:t>              B          26        MISSING</a:t>
-              </a:r>
-            </a:p>
-            <a:p>
-              <a:pPr marL="92075" indent="90488">
+                <a:t>ARM Y      A          Y       34    Level: HIGH</a:t>
+              </a:r>
+            </a:p>
+            <a:p>
+              <a:pPr marL="92075">
                 <a:lnSpc>
                   <a:spcPct val="90000"/>
                 </a:lnSpc>
@@ -11107,11 +11482,11 @@
                   <a:ea typeface="Droid Sans Mono" panose="020B0609030804020204" pitchFamily="49" charset="0"/>
                   <a:cs typeface="Droid Sans Mono" panose="020B0609030804020204" pitchFamily="49" charset="0"/>
                 </a:rPr>
-                <a:t>                         NA      Lvl: HIGH</a:t>
-              </a:r>
-            </a:p>
-            <a:p>
-              <a:pPr marL="92075" indent="90488">
+                <a:t>                      Y       50     Level: LOW</a:t>
+              </a:r>
+            </a:p>
+            <a:p>
+              <a:pPr marL="92075">
                 <a:lnSpc>
                   <a:spcPct val="90000"/>
                 </a:lnSpc>
@@ -11135,11 +11510,11 @@
                   <a:ea typeface="Droid Sans Mono" panose="020B0609030804020204" pitchFamily="49" charset="0"/>
                   <a:cs typeface="Droid Sans Mono" panose="020B0609030804020204" pitchFamily="49" charset="0"/>
                 </a:rPr>
-                <a:t>ARM Y         A          27       Lvl: LOW</a:t>
-              </a:r>
-            </a:p>
-            <a:p>
-              <a:pPr marL="92075" indent="90488">
+                <a:t>                      Y       NA     Level: LOW</a:t>
+              </a:r>
+            </a:p>
+            <a:p>
+              <a:pPr marL="92075">
                 <a:lnSpc>
                   <a:spcPct val="90000"/>
                 </a:lnSpc>
@@ -11163,11 +11538,11 @@
                   <a:ea typeface="Droid Sans Mono" panose="020B0609030804020204" pitchFamily="49" charset="0"/>
                   <a:cs typeface="Droid Sans Mono" panose="020B0609030804020204" pitchFamily="49" charset="0"/>
                 </a:rPr>
-                <a:t>                         36       Lvl: LOW</a:t>
-              </a:r>
-            </a:p>
-            <a:p>
-              <a:pPr marL="92075" indent="90488">
+                <a:t>           B          Y       42    Level: HIGH</a:t>
+              </a:r>
+            </a:p>
+            <a:p>
+              <a:pPr marL="92075">
                 <a:lnSpc>
                   <a:spcPct val="90000"/>
                 </a:lnSpc>
@@ -11191,11 +11566,11 @@
                   <a:ea typeface="Droid Sans Mono" panose="020B0609030804020204" pitchFamily="49" charset="0"/>
                   <a:cs typeface="Droid Sans Mono" panose="020B0609030804020204" pitchFamily="49" charset="0"/>
                 </a:rPr>
-                <a:t>                         30        MISSING</a:t>
-              </a:r>
-            </a:p>
-            <a:p>
-              <a:pPr marL="92075" indent="90488">
+                <a:t>                      X       NA     Level: LOW</a:t>
+              </a:r>
+            </a:p>
+            <a:p>
+              <a:pPr marL="92075">
                 <a:lnSpc>
                   <a:spcPct val="90000"/>
                 </a:lnSpc>
@@ -11219,11 +11594,11 @@
                   <a:ea typeface="Droid Sans Mono" panose="020B0609030804020204" pitchFamily="49" charset="0"/>
                   <a:cs typeface="Droid Sans Mono" panose="020B0609030804020204" pitchFamily="49" charset="0"/>
                 </a:rPr>
-                <a:t>              B          26       Lvl: LOW</a:t>
-              </a:r>
-            </a:p>
-            <a:p>
-              <a:pPr marL="92075" indent="90488">
+                <a:t>                      Y       26     Level: LOW</a:t>
+              </a:r>
+            </a:p>
+            <a:p>
+              <a:pPr marL="92075">
                 <a:lnSpc>
                   <a:spcPct val="90000"/>
                 </a:lnSpc>
@@ -11247,35 +11622,7 @@
                   <a:ea typeface="Droid Sans Mono" panose="020B0609030804020204" pitchFamily="49" charset="0"/>
                   <a:cs typeface="Droid Sans Mono" panose="020B0609030804020204" pitchFamily="49" charset="0"/>
                 </a:rPr>
-                <a:t>                         57      Lvl: HIGH</a:t>
-              </a:r>
-            </a:p>
-            <a:p>
-              <a:pPr marL="92075" indent="90488">
-                <a:lnSpc>
-                  <a:spcPct val="90000"/>
-                </a:lnSpc>
-                <a:spcBef>
-                  <a:spcPts val="0"/>
-                </a:spcBef>
-                <a:defRPr b="0">
-                  <a:solidFill>
-                    <a:srgbClr val="000000"/>
-                  </a:solidFill>
-                </a:defRPr>
-              </a:pPr>
-              <a:r>
-                <a:rPr lang="en-US" sz="1000" dirty="0">
-                  <a:solidFill>
-                    <a:schemeClr val="bg2">
-                      <a:lumMod val="10000"/>
-                    </a:schemeClr>
-                  </a:solidFill>
-                  <a:latin typeface="Droid Sans Mono" panose="020B0609030804020204" pitchFamily="49" charset="0"/>
-                  <a:ea typeface="Droid Sans Mono" panose="020B0609030804020204" pitchFamily="49" charset="0"/>
-                  <a:cs typeface="Droid Sans Mono" panose="020B0609030804020204" pitchFamily="49" charset="0"/>
-                </a:rPr>
-                <a:t>              NA         36       Lvl: LOW</a:t>
+                <a:t>           NA         Y       32    Level: HIGH</a:t>
               </a:r>
               <a:endParaRPr lang="en-US" sz="1000" b="0" dirty="0">
                 <a:solidFill>
@@ -11369,7 +11716,7 @@
             </a:ln>
             <a:extLst>
               <a:ext uri="{C572A759-6A51-4108-AA02-DFA0A04FC94B}">
-                <ma14:wrappingTextBoxFlag xmlns="" xmlns:m="http://schemas.openxmlformats.org/officeDocument/2006/math" xmlns:a14="http://schemas.microsoft.com/office/drawing/2010/main" xmlns:ma14="http://schemas.microsoft.com/office/mac/drawingml/2011/main" val="1"/>
+                <ma14:wrappingTextBoxFlag xmlns:ma14="http://schemas.microsoft.com/office/mac/drawingml/2011/main" xmlns:a14="http://schemas.microsoft.com/office/drawing/2010/main" xmlns:m="http://schemas.openxmlformats.org/officeDocument/2006/math" xmlns="" val="1"/>
               </a:ext>
             </a:extLst>
           </p:spPr>
@@ -11459,7 +11806,7 @@
             </a:ln>
             <a:extLst>
               <a:ext uri="{C572A759-6A51-4108-AA02-DFA0A04FC94B}">
-                <ma14:wrappingTextBoxFlag xmlns="" xmlns:m="http://schemas.openxmlformats.org/officeDocument/2006/math" xmlns:a14="http://schemas.microsoft.com/office/drawing/2010/main" xmlns:ma14="http://schemas.microsoft.com/office/mac/drawingml/2011/main" val="1"/>
+                <ma14:wrappingTextBoxFlag xmlns:ma14="http://schemas.microsoft.com/office/mac/drawingml/2011/main" xmlns:a14="http://schemas.microsoft.com/office/drawing/2010/main" xmlns:m="http://schemas.openxmlformats.org/officeDocument/2006/math" xmlns="" val="1"/>
               </a:ext>
             </a:extLst>
           </p:spPr>
@@ -11611,7 +11958,7 @@
             </a:ln>
             <a:extLst>
               <a:ext uri="{C572A759-6A51-4108-AA02-DFA0A04FC94B}">
-                <ma14:wrappingTextBoxFlag xmlns="" xmlns:m="http://schemas.openxmlformats.org/officeDocument/2006/math" xmlns:a14="http://schemas.microsoft.com/office/drawing/2010/main" xmlns:ma14="http://schemas.microsoft.com/office/mac/drawingml/2011/main" val="1"/>
+                <ma14:wrappingTextBoxFlag xmlns:ma14="http://schemas.microsoft.com/office/mac/drawingml/2011/main" xmlns:a14="http://schemas.microsoft.com/office/drawing/2010/main" xmlns:m="http://schemas.openxmlformats.org/officeDocument/2006/math" xmlns="" val="1"/>
               </a:ext>
             </a:extLst>
           </p:spPr>
@@ -11644,7 +11991,7 @@
           </p:nvSpPr>
           <p:spPr>
             <a:xfrm>
-              <a:off x="851156" y="5440563"/>
+              <a:off x="881636" y="5440563"/>
               <a:ext cx="4791692" cy="2016312"/>
             </a:xfrm>
             <a:prstGeom prst="rect">
@@ -11661,7 +12008,7 @@
             </a:ln>
             <a:extLst>
               <a:ext uri="{C572A759-6A51-4108-AA02-DFA0A04FC94B}">
-                <ma14:wrappingTextBoxFlag xmlns="" xmlns:m="http://schemas.openxmlformats.org/officeDocument/2006/math" xmlns:a14="http://schemas.microsoft.com/office/drawing/2010/main" xmlns:ma14="http://schemas.microsoft.com/office/mac/drawingml/2011/main" val="1"/>
+                <ma14:wrappingTextBoxFlag xmlns:ma14="http://schemas.microsoft.com/office/mac/drawingml/2011/main" xmlns:a14="http://schemas.microsoft.com/office/drawing/2010/main" xmlns:m="http://schemas.openxmlformats.org/officeDocument/2006/math" xmlns="" val="1"/>
               </a:ext>
             </a:extLst>
           </p:spPr>
@@ -11685,12 +12032,17 @@
                     <a:srgbClr val="111111"/>
                   </a:solidFill>
                   <a:effectLst/>
-                  <a:latin typeface="Courier New" panose="02070309020205020404" pitchFamily="49" charset="0"/>
+                  <a:latin typeface="Droid Sans Mono" panose="020B0609030804020204" pitchFamily="49" charset="0"/>
+                  <a:ea typeface="Droid Sans Mono" panose="020B0609030804020204" pitchFamily="49" charset="0"/>
+                  <a:cs typeface="Droid Sans Mono" panose="020B0609030804020204" pitchFamily="49" charset="0"/>
                 </a:rPr>
                 <a:t>default_fmt &lt;- list(</a:t>
               </a:r>
               <a:endParaRPr lang="en-CA" sz="600" b="0" dirty="0">
                 <a:effectLst/>
+                <a:latin typeface="Droid Sans Mono" panose="020B0609030804020204" pitchFamily="49" charset="0"/>
+                <a:ea typeface="Droid Sans Mono" panose="020B0609030804020204" pitchFamily="49" charset="0"/>
+                <a:cs typeface="Droid Sans Mono" panose="020B0609030804020204" pitchFamily="49" charset="0"/>
               </a:endParaRPr>
             </a:p>
             <a:p>
@@ -11708,12 +12060,44 @@
                     <a:srgbClr val="111111"/>
                   </a:solidFill>
                   <a:effectLst/>
-                  <a:latin typeface="Courier New" panose="02070309020205020404" pitchFamily="49" charset="0"/>
-                </a:rPr>
-                <a:t>  all = fmt_config(na_str = "MISSING", align = "left"),</a:t>
+                  <a:latin typeface="Droid Sans Mono" panose="020B0609030804020204" pitchFamily="49" charset="0"/>
+                  <a:ea typeface="Droid Sans Mono" panose="020B0609030804020204" pitchFamily="49" charset="0"/>
+                  <a:cs typeface="Droid Sans Mono" panose="020B0609030804020204" pitchFamily="49" charset="0"/>
+                </a:rPr>
+                <a:t>  </a:t>
+              </a:r>
+              <a:r>
+                <a:rPr lang="en-CA" sz="1100" b="0" i="0" u="none" strike="noStrike" dirty="0">
+                  <a:solidFill>
+                    <a:srgbClr val="111111"/>
+                  </a:solidFill>
+                  <a:effectLst/>
+                  <a:highlight>
+                    <a:srgbClr val="CFE2F3"/>
+                  </a:highlight>
+                  <a:latin typeface="Droid Sans Mono" panose="020B0609030804020204" pitchFamily="49" charset="0"/>
+                  <a:ea typeface="Droid Sans Mono" panose="020B0609030804020204" pitchFamily="49" charset="0"/>
+                  <a:cs typeface="Droid Sans Mono" panose="020B0609030804020204" pitchFamily="49" charset="0"/>
+                </a:rPr>
+                <a:t>all = fmt_config(na_str = "MISSING", align = "left")</a:t>
+              </a:r>
+              <a:r>
+                <a:rPr lang="en-CA" sz="1100" b="0" i="0" u="none" strike="noStrike" dirty="0">
+                  <a:solidFill>
+                    <a:srgbClr val="111111"/>
+                  </a:solidFill>
+                  <a:effectLst/>
+                  <a:latin typeface="Droid Sans Mono" panose="020B0609030804020204" pitchFamily="49" charset="0"/>
+                  <a:ea typeface="Droid Sans Mono" panose="020B0609030804020204" pitchFamily="49" charset="0"/>
+                  <a:cs typeface="Droid Sans Mono" panose="020B0609030804020204" pitchFamily="49" charset="0"/>
+                </a:rPr>
+                <a:t>,</a:t>
               </a:r>
               <a:endParaRPr lang="en-CA" sz="600" b="0" dirty="0">
                 <a:effectLst/>
+                <a:latin typeface="Droid Sans Mono" panose="020B0609030804020204" pitchFamily="49" charset="0"/>
+                <a:ea typeface="Droid Sans Mono" panose="020B0609030804020204" pitchFamily="49" charset="0"/>
+                <a:cs typeface="Droid Sans Mono" panose="020B0609030804020204" pitchFamily="49" charset="0"/>
               </a:endParaRPr>
             </a:p>
             <a:p>
@@ -11731,16 +12115,35 @@
                     <a:srgbClr val="111111"/>
                   </a:solidFill>
                   <a:effectLst/>
-                  <a:latin typeface="Courier New" panose="02070309020205020404" pitchFamily="49" charset="0"/>
-                </a:rPr>
-                <a:t>  numeric = fmt_config(format = "xx.xx",</a:t>
+                  <a:latin typeface="Droid Sans Mono" panose="020B0609030804020204" pitchFamily="49" charset="0"/>
+                  <a:ea typeface="Droid Sans Mono" panose="020B0609030804020204" pitchFamily="49" charset="0"/>
+                  <a:cs typeface="Droid Sans Mono" panose="020B0609030804020204" pitchFamily="49" charset="0"/>
+                </a:rPr>
+                <a:t>  </a:t>
+              </a:r>
+              <a:r>
+                <a:rPr lang="en-CA" sz="1100" b="0" i="0" u="none" strike="noStrike" dirty="0">
+                  <a:solidFill>
+                    <a:srgbClr val="111111"/>
+                  </a:solidFill>
+                  <a:effectLst/>
+                  <a:highlight>
+                    <a:srgbClr val="F4CCCC"/>
+                  </a:highlight>
+                  <a:latin typeface="Droid Sans Mono" panose="020B0609030804020204" pitchFamily="49" charset="0"/>
+                  <a:ea typeface="Droid Sans Mono" panose="020B0609030804020204" pitchFamily="49" charset="0"/>
+                  <a:cs typeface="Droid Sans Mono" panose="020B0609030804020204" pitchFamily="49" charset="0"/>
+                </a:rPr>
+                <a:t>numeric = fmt_config(format = "xx.xx",</a:t>
               </a:r>
               <a:r>
                 <a:rPr lang="en-CA" sz="1100" b="0" dirty="0">
                   <a:solidFill>
                     <a:srgbClr val="111111"/>
                   </a:solidFill>
-                  <a:latin typeface="Courier New" panose="02070309020205020404" pitchFamily="49" charset="0"/>
+                  <a:latin typeface="Droid Sans Mono" panose="020B0609030804020204" pitchFamily="49" charset="0"/>
+                  <a:ea typeface="Droid Sans Mono" panose="020B0609030804020204" pitchFamily="49" charset="0"/>
+                  <a:cs typeface="Droid Sans Mono" panose="020B0609030804020204" pitchFamily="49" charset="0"/>
                 </a:rPr>
                 <a:t> </a:t>
               </a:r>
@@ -11760,9 +12163,26 @@
                     <a:srgbClr val="111111"/>
                   </a:solidFill>
                   <a:effectLst/>
-                  <a:latin typeface="Courier New" panose="02070309020205020404" pitchFamily="49" charset="0"/>
-                </a:rPr>
-                <a:t>    na_str = "&lt;No data&gt;", align = "decimal"</a:t>
+                  <a:latin typeface="Droid Sans Mono" panose="020B0609030804020204" pitchFamily="49" charset="0"/>
+                  <a:ea typeface="Droid Sans Mono" panose="020B0609030804020204" pitchFamily="49" charset="0"/>
+                  <a:cs typeface="Droid Sans Mono" panose="020B0609030804020204" pitchFamily="49" charset="0"/>
+                </a:rPr>
+                <a:t>    </a:t>
+              </a:r>
+              <a:r>
+                <a:rPr lang="en-CA" sz="1100" b="0" i="0" u="none" strike="noStrike" dirty="0">
+                  <a:solidFill>
+                    <a:srgbClr val="111111"/>
+                  </a:solidFill>
+                  <a:effectLst/>
+                  <a:highlight>
+                    <a:srgbClr val="F4CCCC"/>
+                  </a:highlight>
+                  <a:latin typeface="Droid Sans Mono" panose="020B0609030804020204" pitchFamily="49" charset="0"/>
+                  <a:ea typeface="Droid Sans Mono" panose="020B0609030804020204" pitchFamily="49" charset="0"/>
+                  <a:cs typeface="Droid Sans Mono" panose="020B0609030804020204" pitchFamily="49" charset="0"/>
+                </a:rPr>
+                <a:t>na_str = "&lt;No data&gt;", align = "decimal"</a:t>
               </a:r>
             </a:p>
             <a:p>
@@ -11780,12 +12200,35 @@
                     <a:srgbClr val="111111"/>
                   </a:solidFill>
                   <a:effectLst/>
-                  <a:latin typeface="Courier New" panose="02070309020205020404" pitchFamily="49" charset="0"/>
-                </a:rPr>
-                <a:t>  )</a:t>
+                  <a:latin typeface="Droid Sans Mono" panose="020B0609030804020204" pitchFamily="49" charset="0"/>
+                  <a:ea typeface="Droid Sans Mono" panose="020B0609030804020204" pitchFamily="49" charset="0"/>
+                  <a:cs typeface="Droid Sans Mono" panose="020B0609030804020204" pitchFamily="49" charset="0"/>
+                </a:rPr>
+                <a:t>  </a:t>
+              </a:r>
+              <a:r>
+                <a:rPr lang="en-CA" sz="1100" b="0" i="0" u="none" strike="noStrike" dirty="0">
+                  <a:solidFill>
+                    <a:srgbClr val="111111"/>
+                  </a:solidFill>
+                  <a:effectLst/>
+                  <a:highlight>
+                    <a:srgbClr val="F4CCCC"/>
+                  </a:highlight>
+                  <a:latin typeface="Droid Sans Mono" panose="020B0609030804020204" pitchFamily="49" charset="0"/>
+                  <a:ea typeface="Droid Sans Mono" panose="020B0609030804020204" pitchFamily="49" charset="0"/>
+                  <a:cs typeface="Droid Sans Mono" panose="020B0609030804020204" pitchFamily="49" charset="0"/>
+                </a:rPr>
+                <a:t>)</a:t>
               </a:r>
               <a:endParaRPr lang="en-CA" sz="600" b="0" dirty="0">
                 <a:effectLst/>
+                <a:highlight>
+                  <a:srgbClr val="F4CCCC"/>
+                </a:highlight>
+                <a:latin typeface="Droid Sans Mono" panose="020B0609030804020204" pitchFamily="49" charset="0"/>
+                <a:ea typeface="Droid Sans Mono" panose="020B0609030804020204" pitchFamily="49" charset="0"/>
+                <a:cs typeface="Droid Sans Mono" panose="020B0609030804020204" pitchFamily="49" charset="0"/>
               </a:endParaRPr>
             </a:p>
             <a:p>
@@ -11803,7 +12246,9 @@
                     <a:srgbClr val="111111"/>
                   </a:solidFill>
                   <a:effectLst/>
-                  <a:latin typeface="Courier New" panose="02070309020205020404" pitchFamily="49" charset="0"/>
+                  <a:latin typeface="Droid Sans Mono" panose="020B0609030804020204" pitchFamily="49" charset="0"/>
+                  <a:ea typeface="Droid Sans Mono" panose="020B0609030804020204" pitchFamily="49" charset="0"/>
+                  <a:cs typeface="Droid Sans Mono" panose="020B0609030804020204" pitchFamily="49" charset="0"/>
                 </a:rPr>
                 <a:t>)</a:t>
               </a:r>
@@ -11819,6 +12264,9 @@
               </a:pPr>
               <a:endParaRPr lang="en-CA" sz="600" b="0" dirty="0">
                 <a:effectLst/>
+                <a:latin typeface="Droid Sans Mono" panose="020B0609030804020204" pitchFamily="49" charset="0"/>
+                <a:ea typeface="Droid Sans Mono" panose="020B0609030804020204" pitchFamily="49" charset="0"/>
+                <a:cs typeface="Droid Sans Mono" panose="020B0609030804020204" pitchFamily="49" charset="0"/>
               </a:endParaRPr>
             </a:p>
             <a:p>
@@ -11836,12 +12284,17 @@
                     <a:srgbClr val="111111"/>
                   </a:solidFill>
                   <a:effectLst/>
-                  <a:latin typeface="Courier New" panose="02070309020205020404" pitchFamily="49" charset="0"/>
+                  <a:latin typeface="Droid Sans Mono" panose="020B0609030804020204" pitchFamily="49" charset="0"/>
+                  <a:ea typeface="Droid Sans Mono" panose="020B0609030804020204" pitchFamily="49" charset="0"/>
+                  <a:cs typeface="Droid Sans Mono" panose="020B0609030804020204" pitchFamily="49" charset="0"/>
                 </a:rPr>
                 <a:t>lstg &lt;- as_listing(</a:t>
               </a:r>
               <a:endParaRPr lang="en-CA" sz="600" b="0" dirty="0">
                 <a:effectLst/>
+                <a:latin typeface="Droid Sans Mono" panose="020B0609030804020204" pitchFamily="49" charset="0"/>
+                <a:ea typeface="Droid Sans Mono" panose="020B0609030804020204" pitchFamily="49" charset="0"/>
+                <a:cs typeface="Droid Sans Mono" panose="020B0609030804020204" pitchFamily="49" charset="0"/>
               </a:endParaRPr>
             </a:p>
             <a:p>
@@ -11859,12 +12312,17 @@
                     <a:srgbClr val="111111"/>
                   </a:solidFill>
                   <a:effectLst/>
-                  <a:latin typeface="Courier New" panose="02070309020205020404" pitchFamily="49" charset="0"/>
+                  <a:latin typeface="Droid Sans Mono" panose="020B0609030804020204" pitchFamily="49" charset="0"/>
+                  <a:ea typeface="Droid Sans Mono" panose="020B0609030804020204" pitchFamily="49" charset="0"/>
+                  <a:cs typeface="Droid Sans Mono" panose="020B0609030804020204" pitchFamily="49" charset="0"/>
                 </a:rPr>
                 <a:t>  adsl_missing,</a:t>
               </a:r>
               <a:endParaRPr lang="en-CA" sz="600" b="0" dirty="0">
                 <a:effectLst/>
+                <a:latin typeface="Droid Sans Mono" panose="020B0609030804020204" pitchFamily="49" charset="0"/>
+                <a:ea typeface="Droid Sans Mono" panose="020B0609030804020204" pitchFamily="49" charset="0"/>
+                <a:cs typeface="Droid Sans Mono" panose="020B0609030804020204" pitchFamily="49" charset="0"/>
               </a:endParaRPr>
             </a:p>
             <a:p>
@@ -11882,12 +12340,17 @@
                     <a:srgbClr val="111111"/>
                   </a:solidFill>
                   <a:effectLst/>
-                  <a:latin typeface="Courier New" panose="02070309020205020404" pitchFamily="49" charset="0"/>
+                  <a:latin typeface="Droid Sans Mono" panose="020B0609030804020204" pitchFamily="49" charset="0"/>
+                  <a:ea typeface="Droid Sans Mono" panose="020B0609030804020204" pitchFamily="49" charset="0"/>
+                  <a:cs typeface="Droid Sans Mono" panose="020B0609030804020204" pitchFamily="49" charset="0"/>
                 </a:rPr>
                 <a:t>  key_cols = c("ARM", "STRATA1"),</a:t>
               </a:r>
               <a:endParaRPr lang="en-CA" sz="600" b="0" dirty="0">
                 <a:effectLst/>
+                <a:latin typeface="Droid Sans Mono" panose="020B0609030804020204" pitchFamily="49" charset="0"/>
+                <a:ea typeface="Droid Sans Mono" panose="020B0609030804020204" pitchFamily="49" charset="0"/>
+                <a:cs typeface="Droid Sans Mono" panose="020B0609030804020204" pitchFamily="49" charset="0"/>
               </a:endParaRPr>
             </a:p>
             <a:p>
@@ -11905,12 +12368,17 @@
                     <a:srgbClr val="111111"/>
                   </a:solidFill>
                   <a:effectLst/>
-                  <a:latin typeface="Courier New" panose="02070309020205020404" pitchFamily="49" charset="0"/>
+                  <a:latin typeface="Droid Sans Mono" panose="020B0609030804020204" pitchFamily="49" charset="0"/>
+                  <a:ea typeface="Droid Sans Mono" panose="020B0609030804020204" pitchFamily="49" charset="0"/>
+                  <a:cs typeface="Droid Sans Mono" panose="020B0609030804020204" pitchFamily="49" charset="0"/>
                 </a:rPr>
                 <a:t>  disp_cols = c("AGE", "BMRKR2"),</a:t>
               </a:r>
               <a:endParaRPr lang="en-CA" sz="600" b="0" dirty="0">
                 <a:effectLst/>
+                <a:latin typeface="Droid Sans Mono" panose="020B0609030804020204" pitchFamily="49" charset="0"/>
+                <a:ea typeface="Droid Sans Mono" panose="020B0609030804020204" pitchFamily="49" charset="0"/>
+                <a:cs typeface="Droid Sans Mono" panose="020B0609030804020204" pitchFamily="49" charset="0"/>
               </a:endParaRPr>
             </a:p>
             <a:p>
@@ -11928,12 +12396,17 @@
                     <a:srgbClr val="111111"/>
                   </a:solidFill>
                   <a:effectLst/>
-                  <a:latin typeface="Courier New" panose="02070309020205020404" pitchFamily="49" charset="0"/>
+                  <a:latin typeface="Droid Sans Mono" panose="020B0609030804020204" pitchFamily="49" charset="0"/>
+                  <a:ea typeface="Droid Sans Mono" panose="020B0609030804020204" pitchFamily="49" charset="0"/>
+                  <a:cs typeface="Droid Sans Mono" panose="020B0609030804020204" pitchFamily="49" charset="0"/>
                 </a:rPr>
                 <a:t>  default_formatting = default_fmt</a:t>
               </a:r>
               <a:endParaRPr lang="en-CA" sz="600" b="0" dirty="0">
                 <a:effectLst/>
+                <a:latin typeface="Droid Sans Mono" panose="020B0609030804020204" pitchFamily="49" charset="0"/>
+                <a:ea typeface="Droid Sans Mono" panose="020B0609030804020204" pitchFamily="49" charset="0"/>
+                <a:cs typeface="Droid Sans Mono" panose="020B0609030804020204" pitchFamily="49" charset="0"/>
               </a:endParaRPr>
             </a:p>
             <a:p>
@@ -11951,7 +12424,9 @@
                     <a:srgbClr val="111111"/>
                   </a:solidFill>
                   <a:effectLst/>
-                  <a:latin typeface="Courier New" panose="02070309020205020404" pitchFamily="49" charset="0"/>
+                  <a:latin typeface="Droid Sans Mono" panose="020B0609030804020204" pitchFamily="49" charset="0"/>
+                  <a:ea typeface="Droid Sans Mono" panose="020B0609030804020204" pitchFamily="49" charset="0"/>
+                  <a:cs typeface="Droid Sans Mono" panose="020B0609030804020204" pitchFamily="49" charset="0"/>
                 </a:rPr>
                 <a:t>)</a:t>
               </a:r>
@@ -11982,8 +12457,8 @@
           </p:nvSpPr>
           <p:spPr>
             <a:xfrm>
-              <a:off x="1401646" y="7559513"/>
-              <a:ext cx="3690712" cy="1870238"/>
+              <a:off x="1295760" y="7559514"/>
+              <a:ext cx="3963444" cy="1870238"/>
             </a:xfrm>
             <a:prstGeom prst="rect">
               <a:avLst/>
@@ -11999,13 +12474,13 @@
             </a:ln>
             <a:extLst>
               <a:ext uri="{C572A759-6A51-4108-AA02-DFA0A04FC94B}">
-                <ma14:wrappingTextBoxFlag xmlns="" xmlns:m="http://schemas.openxmlformats.org/officeDocument/2006/math" xmlns:a14="http://schemas.microsoft.com/office/drawing/2010/main" xmlns:ma14="http://schemas.microsoft.com/office/mac/drawingml/2011/main" val="1"/>
+                <ma14:wrappingTextBoxFlag xmlns:ma14="http://schemas.microsoft.com/office/mac/drawingml/2011/main" xmlns:a14="http://schemas.microsoft.com/office/drawing/2010/main" xmlns:m="http://schemas.openxmlformats.org/officeDocument/2006/math" xmlns="" val="1"/>
               </a:ext>
             </a:extLst>
           </p:spPr>
           <p:txBody>
             <a:bodyPr lIns="0" tIns="0" rIns="0" bIns="0" anchor="ctr">
-              <a:normAutofit fontScale="92500" lnSpcReduction="10000"/>
+              <a:normAutofit fontScale="92500"/>
             </a:bodyPr>
             <a:lstStyle/>
             <a:p>
@@ -12033,7 +12508,94 @@
                   <a:ea typeface="Droid Sans Mono" panose="020B0609030804020204" pitchFamily="49" charset="0"/>
                   <a:cs typeface="Droid Sans Mono" panose="020B0609030804020204" pitchFamily="49" charset="0"/>
                 </a:rPr>
-                <a:t>        Stratification               Biomarker</a:t>
+                <a:t>        </a:t>
+              </a:r>
+              <a:r>
+                <a:rPr lang="en-US" sz="1100" dirty="0">
+                  <a:solidFill>
+                    <a:schemeClr val="bg2">
+                      <a:lumMod val="10000"/>
+                    </a:schemeClr>
+                  </a:solidFill>
+                  <a:highlight>
+                    <a:srgbClr val="CFE2F3"/>
+                  </a:highlight>
+                  <a:latin typeface="Droid Sans Mono" panose="020B0609030804020204" pitchFamily="49" charset="0"/>
+                  <a:ea typeface="Droid Sans Mono" panose="020B0609030804020204" pitchFamily="49" charset="0"/>
+                  <a:cs typeface="Droid Sans Mono" panose="020B0609030804020204" pitchFamily="49" charset="0"/>
+                </a:rPr>
+                <a:t>Stratif.</a:t>
+              </a:r>
+              <a:r>
+                <a:rPr lang="en-US" sz="1100" dirty="0">
+                  <a:solidFill>
+                    <a:schemeClr val="bg2">
+                      <a:lumMod val="10000"/>
+                    </a:schemeClr>
+                  </a:solidFill>
+                  <a:latin typeface="Droid Sans Mono" panose="020B0609030804020204" pitchFamily="49" charset="0"/>
+                  <a:ea typeface="Droid Sans Mono" panose="020B0609030804020204" pitchFamily="49" charset="0"/>
+                  <a:cs typeface="Droid Sans Mono" panose="020B0609030804020204" pitchFamily="49" charset="0"/>
+                </a:rPr>
+                <a:t>   </a:t>
+              </a:r>
+              <a:r>
+                <a:rPr lang="en-US" sz="1100" dirty="0">
+                  <a:solidFill>
+                    <a:schemeClr val="bg2">
+                      <a:lumMod val="10000"/>
+                    </a:schemeClr>
+                  </a:solidFill>
+                  <a:highlight>
+                    <a:srgbClr val="CFE2F3"/>
+                  </a:highlight>
+                  <a:latin typeface="Droid Sans Mono" panose="020B0609030804020204" pitchFamily="49" charset="0"/>
+                  <a:ea typeface="Droid Sans Mono" panose="020B0609030804020204" pitchFamily="49" charset="0"/>
+                  <a:cs typeface="Droid Sans Mono" panose="020B0609030804020204" pitchFamily="49" charset="0"/>
+                </a:rPr>
+                <a:t>Stratif.</a:t>
+              </a:r>
+              <a:r>
+                <a:rPr lang="en-US" sz="1100" dirty="0">
+                  <a:solidFill>
+                    <a:schemeClr val="bg2">
+                      <a:lumMod val="10000"/>
+                    </a:schemeClr>
+                  </a:solidFill>
+                  <a:latin typeface="Droid Sans Mono" panose="020B0609030804020204" pitchFamily="49" charset="0"/>
+                  <a:ea typeface="Droid Sans Mono" panose="020B0609030804020204" pitchFamily="49" charset="0"/>
+                  <a:cs typeface="Droid Sans Mono" panose="020B0609030804020204" pitchFamily="49" charset="0"/>
+                </a:rPr>
+                <a:t>                </a:t>
+              </a:r>
+              <a:r>
+                <a:rPr lang="en-US" sz="1100" dirty="0">
+                  <a:solidFill>
+                    <a:schemeClr val="bg2">
+                      <a:lumMod val="10000"/>
+                    </a:schemeClr>
+                  </a:solidFill>
+                  <a:highlight>
+                    <a:srgbClr val="CFE2F3"/>
+                  </a:highlight>
+                  <a:latin typeface="Droid Sans Mono" panose="020B0609030804020204" pitchFamily="49" charset="0"/>
+                  <a:ea typeface="Droid Sans Mono" panose="020B0609030804020204" pitchFamily="49" charset="0"/>
+                  <a:cs typeface="Droid Sans Mono" panose="020B0609030804020204" pitchFamily="49" charset="0"/>
+                </a:rPr>
+                <a:t>Bmrkr</a:t>
+              </a:r>
+              <a:r>
+                <a:rPr lang="en-US" sz="1100" dirty="0">
+                  <a:solidFill>
+                    <a:schemeClr val="bg2">
+                      <a:lumMod val="10000"/>
+                    </a:schemeClr>
+                  </a:solidFill>
+                  <a:latin typeface="Droid Sans Mono" panose="020B0609030804020204" pitchFamily="49" charset="0"/>
+                  <a:ea typeface="Droid Sans Mono" panose="020B0609030804020204" pitchFamily="49" charset="0"/>
+                  <a:cs typeface="Droid Sans Mono" panose="020B0609030804020204" pitchFamily="49" charset="0"/>
+                </a:rPr>
+                <a:t> </a:t>
               </a:r>
             </a:p>
             <a:p>
@@ -12061,7 +12623,152 @@
                   <a:ea typeface="Droid Sans Mono" panose="020B0609030804020204" pitchFamily="49" charset="0"/>
                   <a:cs typeface="Droid Sans Mono" panose="020B0609030804020204" pitchFamily="49" charset="0"/>
                 </a:rPr>
-                <a:t> Arm       Factor 1         Age       Level 2 </a:t>
+                <a:t> </a:t>
+              </a:r>
+              <a:r>
+                <a:rPr lang="en-US" sz="1100" dirty="0">
+                  <a:solidFill>
+                    <a:schemeClr val="bg2">
+                      <a:lumMod val="10000"/>
+                    </a:schemeClr>
+                  </a:solidFill>
+                  <a:highlight>
+                    <a:srgbClr val="CFE2F3"/>
+                  </a:highlight>
+                  <a:latin typeface="Droid Sans Mono" panose="020B0609030804020204" pitchFamily="49" charset="0"/>
+                  <a:ea typeface="Droid Sans Mono" panose="020B0609030804020204" pitchFamily="49" charset="0"/>
+                  <a:cs typeface="Droid Sans Mono" panose="020B0609030804020204" pitchFamily="49" charset="0"/>
+                </a:rPr>
+                <a:t>Arm</a:t>
+              </a:r>
+              <a:r>
+                <a:rPr lang="en-US" sz="1100" dirty="0">
+                  <a:solidFill>
+                    <a:schemeClr val="bg2">
+                      <a:lumMod val="10000"/>
+                    </a:schemeClr>
+                  </a:solidFill>
+                  <a:latin typeface="Droid Sans Mono" panose="020B0609030804020204" pitchFamily="49" charset="0"/>
+                  <a:ea typeface="Droid Sans Mono" panose="020B0609030804020204" pitchFamily="49" charset="0"/>
+                  <a:cs typeface="Droid Sans Mono" panose="020B0609030804020204" pitchFamily="49" charset="0"/>
+                </a:rPr>
+                <a:t>    </a:t>
+              </a:r>
+              <a:r>
+                <a:rPr lang="en-US" sz="1100" dirty="0">
+                  <a:solidFill>
+                    <a:schemeClr val="bg2">
+                      <a:lumMod val="10000"/>
+                    </a:schemeClr>
+                  </a:solidFill>
+                  <a:highlight>
+                    <a:srgbClr val="CFE2F3"/>
+                  </a:highlight>
+                  <a:latin typeface="Droid Sans Mono" panose="020B0609030804020204" pitchFamily="49" charset="0"/>
+                  <a:ea typeface="Droid Sans Mono" panose="020B0609030804020204" pitchFamily="49" charset="0"/>
+                  <a:cs typeface="Droid Sans Mono" panose="020B0609030804020204" pitchFamily="49" charset="0"/>
+                </a:rPr>
+                <a:t>Factor 1</a:t>
+              </a:r>
+              <a:r>
+                <a:rPr lang="en-US" sz="1100" dirty="0">
+                  <a:solidFill>
+                    <a:schemeClr val="bg2">
+                      <a:lumMod val="10000"/>
+                    </a:schemeClr>
+                  </a:solidFill>
+                  <a:latin typeface="Droid Sans Mono" panose="020B0609030804020204" pitchFamily="49" charset="0"/>
+                  <a:ea typeface="Droid Sans Mono" panose="020B0609030804020204" pitchFamily="49" charset="0"/>
+                  <a:cs typeface="Droid Sans Mono" panose="020B0609030804020204" pitchFamily="49" charset="0"/>
+                </a:rPr>
+                <a:t>   </a:t>
+              </a:r>
+              <a:r>
+                <a:rPr lang="en-US" sz="1100" dirty="0">
+                  <a:solidFill>
+                    <a:schemeClr val="bg2">
+                      <a:lumMod val="10000"/>
+                    </a:schemeClr>
+                  </a:solidFill>
+                  <a:highlight>
+                    <a:srgbClr val="CFE2F3"/>
+                  </a:highlight>
+                  <a:latin typeface="Droid Sans Mono" panose="020B0609030804020204" pitchFamily="49" charset="0"/>
+                  <a:ea typeface="Droid Sans Mono" panose="020B0609030804020204" pitchFamily="49" charset="0"/>
+                  <a:cs typeface="Droid Sans Mono" panose="020B0609030804020204" pitchFamily="49" charset="0"/>
+                </a:rPr>
+                <a:t>Factor 2</a:t>
+              </a:r>
+              <a:r>
+                <a:rPr lang="en-US" sz="1100" dirty="0">
+                  <a:solidFill>
+                    <a:schemeClr val="bg2">
+                      <a:lumMod val="10000"/>
+                    </a:schemeClr>
+                  </a:solidFill>
+                  <a:latin typeface="Droid Sans Mono" panose="020B0609030804020204" pitchFamily="49" charset="0"/>
+                  <a:ea typeface="Droid Sans Mono" panose="020B0609030804020204" pitchFamily="49" charset="0"/>
+                  <a:cs typeface="Droid Sans Mono" panose="020B0609030804020204" pitchFamily="49" charset="0"/>
+                </a:rPr>
+                <a:t>      </a:t>
+              </a:r>
+              <a:r>
+                <a:rPr lang="en-US" sz="1100" dirty="0">
+                  <a:solidFill>
+                    <a:schemeClr val="bg2">
+                      <a:lumMod val="10000"/>
+                    </a:schemeClr>
+                  </a:solidFill>
+                  <a:highlight>
+                    <a:srgbClr val="F4CCCC"/>
+                  </a:highlight>
+                  <a:latin typeface="Droid Sans Mono" panose="020B0609030804020204" pitchFamily="49" charset="0"/>
+                  <a:ea typeface="Droid Sans Mono" panose="020B0609030804020204" pitchFamily="49" charset="0"/>
+                  <a:cs typeface="Droid Sans Mono" panose="020B0609030804020204" pitchFamily="49" charset="0"/>
+                </a:rPr>
+                <a:t>Age</a:t>
+              </a:r>
+              <a:r>
+                <a:rPr lang="en-US" sz="1100" dirty="0">
+                  <a:solidFill>
+                    <a:schemeClr val="bg2">
+                      <a:lumMod val="10000"/>
+                    </a:schemeClr>
+                  </a:solidFill>
+                  <a:latin typeface="Droid Sans Mono" panose="020B0609030804020204" pitchFamily="49" charset="0"/>
+                  <a:ea typeface="Droid Sans Mono" panose="020B0609030804020204" pitchFamily="49" charset="0"/>
+                  <a:cs typeface="Droid Sans Mono" panose="020B0609030804020204" pitchFamily="49" charset="0"/>
+                </a:rPr>
+                <a:t>       </a:t>
+              </a:r>
+              <a:r>
+                <a:rPr lang="en-US" sz="1100" dirty="0">
+                  <a:solidFill>
+                    <a:schemeClr val="bg2">
+                      <a:lumMod val="10000"/>
+                    </a:schemeClr>
+                  </a:solidFill>
+                  <a:highlight>
+                    <a:srgbClr val="CFE2F3"/>
+                  </a:highlight>
+                  <a:latin typeface="Droid Sans Mono" panose="020B0609030804020204" pitchFamily="49" charset="0"/>
+                  <a:ea typeface="Droid Sans Mono" panose="020B0609030804020204" pitchFamily="49" charset="0"/>
+                  <a:cs typeface="Droid Sans Mono" panose="020B0609030804020204" pitchFamily="49" charset="0"/>
+                </a:rPr>
+                <a:t>Lvl 2</a:t>
+              </a:r>
+              <a:r>
+                <a:rPr lang="en-US" sz="1100" dirty="0">
+                  <a:solidFill>
+                    <a:schemeClr val="bg2">
+                      <a:lumMod val="10000"/>
+                    </a:schemeClr>
+                  </a:solidFill>
+                  <a:latin typeface="Droid Sans Mono" panose="020B0609030804020204" pitchFamily="49" charset="0"/>
+                  <a:ea typeface="Droid Sans Mono" panose="020B0609030804020204" pitchFamily="49" charset="0"/>
+                  <a:cs typeface="Droid Sans Mono" panose="020B0609030804020204" pitchFamily="49" charset="0"/>
+                </a:rPr>
+                <a:t> </a:t>
               </a:r>
             </a:p>
             <a:p>
@@ -12089,7 +12796,7 @@
                   <a:ea typeface="Droid Sans Mono" panose="020B0609030804020204" pitchFamily="49" charset="0"/>
                   <a:cs typeface="Droid Sans Mono" panose="020B0609030804020204" pitchFamily="49" charset="0"/>
                 </a:rPr>
-                <a:t>——————————————————————————————————————————————</a:t>
+                <a:t>—————————————————————————————————————————————————</a:t>
               </a:r>
             </a:p>
             <a:p>
@@ -12117,7 +12824,7 @@
                   <a:ea typeface="Droid Sans Mono" panose="020B0609030804020204" pitchFamily="49" charset="0"/>
                   <a:cs typeface="Droid Sans Mono" panose="020B0609030804020204" pitchFamily="49" charset="0"/>
                 </a:rPr>
-                <a:t>ARM X   A                &lt;No data&gt;   LOW      </a:t>
+                <a:t>ARM X   B          X            27.00     MISSING</a:t>
               </a:r>
             </a:p>
             <a:p>
@@ -12145,7 +12852,7 @@
                   <a:ea typeface="Droid Sans Mono" panose="020B0609030804020204" pitchFamily="49" charset="0"/>
                   <a:cs typeface="Droid Sans Mono" panose="020B0609030804020204" pitchFamily="49" charset="0"/>
                 </a:rPr>
-                <a:t>                           39.00     HIGH     </a:t>
+                <a:t>                   X            43.00     LOW    </a:t>
               </a:r>
             </a:p>
             <a:p>
@@ -12173,7 +12880,7 @@
                   <a:ea typeface="Droid Sans Mono" panose="020B0609030804020204" pitchFamily="49" charset="0"/>
                   <a:cs typeface="Droid Sans Mono" panose="020B0609030804020204" pitchFamily="49" charset="0"/>
                 </a:rPr>
-                <a:t>                         &lt;No data&gt;   HIGH     </a:t>
+                <a:t>                   X            25.00     MISSING</a:t>
               </a:r>
             </a:p>
             <a:p>
@@ -12201,7 +12908,7 @@
                   <a:ea typeface="Droid Sans Mono" panose="020B0609030804020204" pitchFamily="49" charset="0"/>
                   <a:cs typeface="Droid Sans Mono" panose="020B0609030804020204" pitchFamily="49" charset="0"/>
                 </a:rPr>
-                <a:t>        B                  26.00     MISSING  </a:t>
+                <a:t>ARM Y   A          Y            34.00     HIGH   </a:t>
               </a:r>
             </a:p>
             <a:p>
@@ -12229,7 +12936,7 @@
                   <a:ea typeface="Droid Sans Mono" panose="020B0609030804020204" pitchFamily="49" charset="0"/>
                   <a:cs typeface="Droid Sans Mono" panose="020B0609030804020204" pitchFamily="49" charset="0"/>
                 </a:rPr>
-                <a:t>                         &lt;No data&gt;   HIGH     </a:t>
+                <a:t>                   Y            50.00     LOW    </a:t>
               </a:r>
             </a:p>
             <a:p>
@@ -12257,7 +12964,7 @@
                   <a:ea typeface="Droid Sans Mono" panose="020B0609030804020204" pitchFamily="49" charset="0"/>
                   <a:cs typeface="Droid Sans Mono" panose="020B0609030804020204" pitchFamily="49" charset="0"/>
                 </a:rPr>
-                <a:t>ARM Y   A                  27.00     LOW      </a:t>
+                <a:t>                   Y          &lt;No data&gt;   LOW    </a:t>
               </a:r>
             </a:p>
             <a:p>
@@ -12285,7 +12992,7 @@
                   <a:ea typeface="Droid Sans Mono" panose="020B0609030804020204" pitchFamily="49" charset="0"/>
                   <a:cs typeface="Droid Sans Mono" panose="020B0609030804020204" pitchFamily="49" charset="0"/>
                 </a:rPr>
-                <a:t>                           36.00     LOW      </a:t>
+                <a:t>        B          Y            42.00     HIGH   </a:t>
               </a:r>
             </a:p>
             <a:p>
@@ -12313,7 +13020,7 @@
                   <a:ea typeface="Droid Sans Mono" panose="020B0609030804020204" pitchFamily="49" charset="0"/>
                   <a:cs typeface="Droid Sans Mono" panose="020B0609030804020204" pitchFamily="49" charset="0"/>
                 </a:rPr>
-                <a:t>                           30.00     MISSING  </a:t>
+                <a:t>                   X          &lt;No data&gt;   LOW    </a:t>
               </a:r>
             </a:p>
             <a:p>
@@ -12341,7 +13048,7 @@
                   <a:ea typeface="Droid Sans Mono" panose="020B0609030804020204" pitchFamily="49" charset="0"/>
                   <a:cs typeface="Droid Sans Mono" panose="020B0609030804020204" pitchFamily="49" charset="0"/>
                 </a:rPr>
-                <a:t>        B                  26.00     LOW      </a:t>
+                <a:t>                   Y            26.00     LOW    </a:t>
               </a:r>
             </a:p>
             <a:p>
@@ -12369,35 +13076,7 @@
                   <a:ea typeface="Droid Sans Mono" panose="020B0609030804020204" pitchFamily="49" charset="0"/>
                   <a:cs typeface="Droid Sans Mono" panose="020B0609030804020204" pitchFamily="49" charset="0"/>
                 </a:rPr>
-                <a:t>                           57.00     HIGH     </a:t>
-              </a:r>
-            </a:p>
-            <a:p>
-              <a:pPr marL="92075" indent="-6350">
-                <a:lnSpc>
-                  <a:spcPct val="90000"/>
-                </a:lnSpc>
-                <a:spcBef>
-                  <a:spcPts val="0"/>
-                </a:spcBef>
-                <a:defRPr b="0">
-                  <a:solidFill>
-                    <a:srgbClr val="000000"/>
-                  </a:solidFill>
-                </a:defRPr>
-              </a:pPr>
-              <a:r>
-                <a:rPr lang="en-US" sz="1100" dirty="0">
-                  <a:solidFill>
-                    <a:schemeClr val="bg2">
-                      <a:lumMod val="10000"/>
-                    </a:schemeClr>
-                  </a:solidFill>
-                  <a:latin typeface="Droid Sans Mono" panose="020B0609030804020204" pitchFamily="49" charset="0"/>
-                  <a:ea typeface="Droid Sans Mono" panose="020B0609030804020204" pitchFamily="49" charset="0"/>
-                  <a:cs typeface="Droid Sans Mono" panose="020B0609030804020204" pitchFamily="49" charset="0"/>
-                </a:rPr>
-                <a:t>        MISSING            36.00     LOW </a:t>
+                <a:t>        MISSING    Y            32.00     HIGH </a:t>
               </a:r>
               <a:endParaRPr lang="en-US" sz="1100" b="0" dirty="0">
                 <a:solidFill>
@@ -12437,7 +13116,7 @@
             </a:ln>
             <a:extLst>
               <a:ext uri="{C572A759-6A51-4108-AA02-DFA0A04FC94B}">
-                <ma14:wrappingTextBoxFlag xmlns="" xmlns:m="http://schemas.openxmlformats.org/officeDocument/2006/math" xmlns:a14="http://schemas.microsoft.com/office/drawing/2010/main" xmlns:ma14="http://schemas.microsoft.com/office/mac/drawingml/2011/main" val="1"/>
+                <ma14:wrappingTextBoxFlag xmlns:ma14="http://schemas.microsoft.com/office/mac/drawingml/2011/main" xmlns:a14="http://schemas.microsoft.com/office/drawing/2010/main" xmlns:m="http://schemas.openxmlformats.org/officeDocument/2006/math" xmlns="" val="1"/>
               </a:ext>
             </a:extLst>
           </p:spPr>
@@ -12481,7 +13160,7 @@
             </a:ln>
             <a:extLst>
               <a:ext uri="{C572A759-6A51-4108-AA02-DFA0A04FC94B}">
-                <ma14:wrappingTextBoxFlag xmlns="" xmlns:m="http://schemas.openxmlformats.org/officeDocument/2006/math" xmlns:a14="http://schemas.microsoft.com/office/drawing/2010/main" xmlns:ma14="http://schemas.microsoft.com/office/mac/drawingml/2011/main" val="1"/>
+                <ma14:wrappingTextBoxFlag xmlns:ma14="http://schemas.microsoft.com/office/mac/drawingml/2011/main" xmlns:a14="http://schemas.microsoft.com/office/drawing/2010/main" xmlns:m="http://schemas.openxmlformats.org/officeDocument/2006/math" xmlns="" val="1"/>
               </a:ext>
             </a:extLst>
           </p:spPr>
@@ -12525,7 +13204,7 @@
             </a:ln>
             <a:extLst>
               <a:ext uri="{C572A759-6A51-4108-AA02-DFA0A04FC94B}">
-                <ma14:wrappingTextBoxFlag xmlns="" xmlns:m="http://schemas.openxmlformats.org/officeDocument/2006/math" xmlns:a14="http://schemas.microsoft.com/office/drawing/2010/main" xmlns:ma14="http://schemas.microsoft.com/office/mac/drawingml/2011/main" val="1"/>
+                <ma14:wrappingTextBoxFlag xmlns:ma14="http://schemas.microsoft.com/office/mac/drawingml/2011/main" xmlns:a14="http://schemas.microsoft.com/office/drawing/2010/main" xmlns:m="http://schemas.openxmlformats.org/officeDocument/2006/math" xmlns="" val="1"/>
               </a:ext>
             </a:extLst>
           </p:spPr>
@@ -12576,7 +13255,7 @@
             </a:ln>
             <a:extLst>
               <a:ext uri="{C572A759-6A51-4108-AA02-DFA0A04FC94B}">
-                <ma14:wrappingTextBoxFlag xmlns="" xmlns:m="http://schemas.openxmlformats.org/officeDocument/2006/math" xmlns:a14="http://schemas.microsoft.com/office/drawing/2010/main" xmlns:ma14="http://schemas.microsoft.com/office/mac/drawingml/2011/main" val="1"/>
+                <ma14:wrappingTextBoxFlag xmlns:ma14="http://schemas.microsoft.com/office/mac/drawingml/2011/main" xmlns:a14="http://schemas.microsoft.com/office/drawing/2010/main" xmlns:m="http://schemas.openxmlformats.org/officeDocument/2006/math" xmlns="" val="1"/>
               </a:ext>
             </a:extLst>
           </p:spPr>
@@ -12722,8 +13401,8 @@
           </p:nvSpPr>
           <p:spPr>
             <a:xfrm>
-              <a:off x="6267648" y="1608086"/>
-              <a:ext cx="4066978" cy="1842812"/>
+              <a:off x="6267648" y="1608085"/>
+              <a:ext cx="3325932" cy="1898097"/>
             </a:xfrm>
             <a:prstGeom prst="rect">
               <a:avLst/>
@@ -12739,13 +13418,13 @@
             </a:ln>
             <a:extLst>
               <a:ext uri="{C572A759-6A51-4108-AA02-DFA0A04FC94B}">
-                <ma14:wrappingTextBoxFlag xmlns="" xmlns:m="http://schemas.openxmlformats.org/officeDocument/2006/math" xmlns:a14="http://schemas.microsoft.com/office/drawing/2010/main" xmlns:ma14="http://schemas.microsoft.com/office/mac/drawingml/2011/main" val="1"/>
+                <ma14:wrappingTextBoxFlag xmlns:ma14="http://schemas.microsoft.com/office/mac/drawingml/2011/main" xmlns:a14="http://schemas.microsoft.com/office/drawing/2010/main" xmlns:m="http://schemas.openxmlformats.org/officeDocument/2006/math" xmlns="" val="1"/>
               </a:ext>
             </a:extLst>
           </p:spPr>
           <p:txBody>
             <a:bodyPr lIns="0" tIns="0" rIns="0" bIns="0" anchor="ctr">
-              <a:normAutofit fontScale="92500"/>
+              <a:normAutofit lnSpcReduction="10000"/>
             </a:bodyPr>
             <a:lstStyle/>
             <a:p>
@@ -12773,7 +13452,65 @@
                   <a:ea typeface="Droid Sans Mono" panose="020B0609030804020204" pitchFamily="49" charset="0"/>
                   <a:cs typeface="Droid Sans Mono" panose="020B0609030804020204" pitchFamily="49" charset="0"/>
                 </a:rPr>
-                <a:t>        Stratification   Stratification         Biomarker</a:t>
+                <a:t>        </a:t>
+              </a:r>
+              <a:r>
+                <a:rPr lang="en-US" sz="1000" b="0" dirty="0">
+                  <a:solidFill>
+                    <a:schemeClr val="bg2">
+                      <a:lumMod val="10000"/>
+                    </a:schemeClr>
+                  </a:solidFill>
+                  <a:highlight>
+                    <a:srgbClr val="FFFF99"/>
+                  </a:highlight>
+                  <a:latin typeface="Droid Sans Mono" panose="020B0609030804020204" pitchFamily="49" charset="0"/>
+                  <a:ea typeface="Droid Sans Mono" panose="020B0609030804020204" pitchFamily="49" charset="0"/>
+                  <a:cs typeface="Droid Sans Mono" panose="020B0609030804020204" pitchFamily="49" charset="0"/>
+                </a:rPr>
+                <a:t>Stratif.</a:t>
+              </a:r>
+              <a:r>
+                <a:rPr lang="en-US" sz="1000" b="0" dirty="0">
+                  <a:solidFill>
+                    <a:schemeClr val="bg2">
+                      <a:lumMod val="10000"/>
+                    </a:schemeClr>
+                  </a:solidFill>
+                  <a:latin typeface="Droid Sans Mono" panose="020B0609030804020204" pitchFamily="49" charset="0"/>
+                  <a:ea typeface="Droid Sans Mono" panose="020B0609030804020204" pitchFamily="49" charset="0"/>
+                  <a:cs typeface="Droid Sans Mono" panose="020B0609030804020204" pitchFamily="49" charset="0"/>
+                </a:rPr>
+                <a:t>   </a:t>
+              </a:r>
+              <a:r>
+                <a:rPr lang="en-US" sz="1000" b="0" dirty="0">
+                  <a:solidFill>
+                    <a:schemeClr val="bg2">
+                      <a:lumMod val="10000"/>
+                    </a:schemeClr>
+                  </a:solidFill>
+                  <a:highlight>
+                    <a:srgbClr val="FFFF99"/>
+                  </a:highlight>
+                  <a:latin typeface="Droid Sans Mono" panose="020B0609030804020204" pitchFamily="49" charset="0"/>
+                  <a:ea typeface="Droid Sans Mono" panose="020B0609030804020204" pitchFamily="49" charset="0"/>
+                  <a:cs typeface="Droid Sans Mono" panose="020B0609030804020204" pitchFamily="49" charset="0"/>
+                </a:rPr>
+                <a:t>Stratif.</a:t>
+              </a:r>
+              <a:r>
+                <a:rPr lang="en-US" sz="1000" b="0" dirty="0">
+                  <a:solidFill>
+                    <a:schemeClr val="bg2">
+                      <a:lumMod val="10000"/>
+                    </a:schemeClr>
+                  </a:solidFill>
+                  <a:latin typeface="Droid Sans Mono" panose="020B0609030804020204" pitchFamily="49" charset="0"/>
+                  <a:ea typeface="Droid Sans Mono" panose="020B0609030804020204" pitchFamily="49" charset="0"/>
+                  <a:cs typeface="Droid Sans Mono" panose="020B0609030804020204" pitchFamily="49" charset="0"/>
+                </a:rPr>
+                <a:t>         Bmrkr</a:t>
               </a:r>
             </a:p>
             <a:p>
@@ -12801,7 +13538,94 @@
                   <a:ea typeface="Droid Sans Mono" panose="020B0609030804020204" pitchFamily="49" charset="0"/>
                   <a:cs typeface="Droid Sans Mono" panose="020B0609030804020204" pitchFamily="49" charset="0"/>
                 </a:rPr>
-                <a:t> Arm       Factor 1         Factor 2      Age    Level 2 </a:t>
+                <a:t> </a:t>
+              </a:r>
+              <a:r>
+                <a:rPr lang="en-US" sz="1000" b="0" dirty="0">
+                  <a:solidFill>
+                    <a:schemeClr val="bg2">
+                      <a:lumMod val="10000"/>
+                    </a:schemeClr>
+                  </a:solidFill>
+                  <a:highlight>
+                    <a:srgbClr val="FFFF99"/>
+                  </a:highlight>
+                  <a:latin typeface="Droid Sans Mono" panose="020B0609030804020204" pitchFamily="49" charset="0"/>
+                  <a:ea typeface="Droid Sans Mono" panose="020B0609030804020204" pitchFamily="49" charset="0"/>
+                  <a:cs typeface="Droid Sans Mono" panose="020B0609030804020204" pitchFamily="49" charset="0"/>
+                </a:rPr>
+                <a:t>Arm</a:t>
+              </a:r>
+              <a:r>
+                <a:rPr lang="en-US" sz="1000" b="0" dirty="0">
+                  <a:solidFill>
+                    <a:schemeClr val="bg2">
+                      <a:lumMod val="10000"/>
+                    </a:schemeClr>
+                  </a:solidFill>
+                  <a:latin typeface="Droid Sans Mono" panose="020B0609030804020204" pitchFamily="49" charset="0"/>
+                  <a:ea typeface="Droid Sans Mono" panose="020B0609030804020204" pitchFamily="49" charset="0"/>
+                  <a:cs typeface="Droid Sans Mono" panose="020B0609030804020204" pitchFamily="49" charset="0"/>
+                </a:rPr>
+                <a:t>    </a:t>
+              </a:r>
+              <a:r>
+                <a:rPr lang="en-US" sz="1000" b="0" dirty="0">
+                  <a:solidFill>
+                    <a:schemeClr val="bg2">
+                      <a:lumMod val="10000"/>
+                    </a:schemeClr>
+                  </a:solidFill>
+                  <a:highlight>
+                    <a:srgbClr val="FFFF99"/>
+                  </a:highlight>
+                  <a:latin typeface="Droid Sans Mono" panose="020B0609030804020204" pitchFamily="49" charset="0"/>
+                  <a:ea typeface="Droid Sans Mono" panose="020B0609030804020204" pitchFamily="49" charset="0"/>
+                  <a:cs typeface="Droid Sans Mono" panose="020B0609030804020204" pitchFamily="49" charset="0"/>
+                </a:rPr>
+                <a:t>Factor 1</a:t>
+              </a:r>
+              <a:r>
+                <a:rPr lang="en-US" sz="1000" b="0" dirty="0">
+                  <a:solidFill>
+                    <a:schemeClr val="bg2">
+                      <a:lumMod val="10000"/>
+                    </a:schemeClr>
+                  </a:solidFill>
+                  <a:latin typeface="Droid Sans Mono" panose="020B0609030804020204" pitchFamily="49" charset="0"/>
+                  <a:ea typeface="Droid Sans Mono" panose="020B0609030804020204" pitchFamily="49" charset="0"/>
+                  <a:cs typeface="Droid Sans Mono" panose="020B0609030804020204" pitchFamily="49" charset="0"/>
+                </a:rPr>
+                <a:t>   </a:t>
+              </a:r>
+              <a:r>
+                <a:rPr lang="en-US" sz="1000" b="0" dirty="0">
+                  <a:solidFill>
+                    <a:schemeClr val="bg2">
+                      <a:lumMod val="10000"/>
+                    </a:schemeClr>
+                  </a:solidFill>
+                  <a:highlight>
+                    <a:srgbClr val="FFFF99"/>
+                  </a:highlight>
+                  <a:latin typeface="Droid Sans Mono" panose="020B0609030804020204" pitchFamily="49" charset="0"/>
+                  <a:ea typeface="Droid Sans Mono" panose="020B0609030804020204" pitchFamily="49" charset="0"/>
+                  <a:cs typeface="Droid Sans Mono" panose="020B0609030804020204" pitchFamily="49" charset="0"/>
+                </a:rPr>
+                <a:t>Factor 2</a:t>
+              </a:r>
+              <a:r>
+                <a:rPr lang="en-US" sz="1000" b="0" dirty="0">
+                  <a:solidFill>
+                    <a:schemeClr val="bg2">
+                      <a:lumMod val="10000"/>
+                    </a:schemeClr>
+                  </a:solidFill>
+                  <a:latin typeface="Droid Sans Mono" panose="020B0609030804020204" pitchFamily="49" charset="0"/>
+                  <a:ea typeface="Droid Sans Mono" panose="020B0609030804020204" pitchFamily="49" charset="0"/>
+                  <a:cs typeface="Droid Sans Mono" panose="020B0609030804020204" pitchFamily="49" charset="0"/>
+                </a:rPr>
+                <a:t>   Age   Lvl 2</a:t>
               </a:r>
             </a:p>
             <a:p>
@@ -12829,7 +13653,7 @@
                   <a:ea typeface="Droid Sans Mono" panose="020B0609030804020204" pitchFamily="49" charset="0"/>
                   <a:cs typeface="Droid Sans Mono" panose="020B0609030804020204" pitchFamily="49" charset="0"/>
                 </a:rPr>
-                <a:t>—————————————————————————————————————————————————————————</a:t>
+                <a:t>—————————————————————————————————————————</a:t>
               </a:r>
             </a:p>
             <a:p>
@@ -12857,7 +13681,7 @@
                   <a:ea typeface="Droid Sans Mono" panose="020B0609030804020204" pitchFamily="49" charset="0"/>
                   <a:cs typeface="Droid Sans Mono" panose="020B0609030804020204" pitchFamily="49" charset="0"/>
                 </a:rPr>
-                <a:t>ARM X         A                X          30       LOW   </a:t>
+                <a:t>ARM X      B          X       27     NA  </a:t>
               </a:r>
             </a:p>
             <a:p>
@@ -12885,7 +13709,7 @@
                   <a:ea typeface="Droid Sans Mono" panose="020B0609030804020204" pitchFamily="49" charset="0"/>
                   <a:cs typeface="Droid Sans Mono" panose="020B0609030804020204" pitchFamily="49" charset="0"/>
                 </a:rPr>
-                <a:t>                               Y          39      HIGH   </a:t>
+                <a:t>                              43     LOW </a:t>
               </a:r>
             </a:p>
             <a:p>
@@ -12913,7 +13737,7 @@
                   <a:ea typeface="Droid Sans Mono" panose="020B0609030804020204" pitchFamily="49" charset="0"/>
                   <a:cs typeface="Droid Sans Mono" panose="020B0609030804020204" pitchFamily="49" charset="0"/>
                 </a:rPr>
-                <a:t>              B                X          27      HIGH   </a:t>
+                <a:t>                              25     NA  </a:t>
               </a:r>
             </a:p>
             <a:p>
@@ -12941,7 +13765,7 @@
                   <a:ea typeface="Droid Sans Mono" panose="020B0609030804020204" pitchFamily="49" charset="0"/>
                   <a:cs typeface="Droid Sans Mono" panose="020B0609030804020204" pitchFamily="49" charset="0"/>
                 </a:rPr>
-                <a:t>                                          39      HIGH   </a:t>
+                <a:t>ARM Y      A          Y       34    HIGH </a:t>
               </a:r>
             </a:p>
             <a:p>
@@ -12969,7 +13793,7 @@
                   <a:ea typeface="Droid Sans Mono" panose="020B0609030804020204" pitchFamily="49" charset="0"/>
                   <a:cs typeface="Droid Sans Mono" panose="020B0609030804020204" pitchFamily="49" charset="0"/>
                 </a:rPr>
-                <a:t>                               Y          26       LOW   </a:t>
+                <a:t>                              50     LOW </a:t>
               </a:r>
             </a:p>
             <a:p>
@@ -12997,7 +13821,7 @@
                   <a:ea typeface="Droid Sans Mono" panose="020B0609030804020204" pitchFamily="49" charset="0"/>
                   <a:cs typeface="Droid Sans Mono" panose="020B0609030804020204" pitchFamily="49" charset="0"/>
                 </a:rPr>
-                <a:t>ARM Y         A                X          27       LOW   </a:t>
+                <a:t>                              NA     LOW </a:t>
               </a:r>
             </a:p>
             <a:p>
@@ -13025,7 +13849,7 @@
                   <a:ea typeface="Droid Sans Mono" panose="020B0609030804020204" pitchFamily="49" charset="0"/>
                   <a:cs typeface="Droid Sans Mono" panose="020B0609030804020204" pitchFamily="49" charset="0"/>
                 </a:rPr>
-                <a:t>              B                X          26       LOW   </a:t>
+                <a:t>           B          X       NA     LOW </a:t>
               </a:r>
             </a:p>
             <a:p>
@@ -13053,7 +13877,7 @@
                   <a:ea typeface="Droid Sans Mono" panose="020B0609030804020204" pitchFamily="49" charset="0"/>
                   <a:cs typeface="Droid Sans Mono" panose="020B0609030804020204" pitchFamily="49" charset="0"/>
                 </a:rPr>
-                <a:t>                               Y          57      HIGH   </a:t>
+                <a:t>                      Y       42    HIGH </a:t>
               </a:r>
             </a:p>
             <a:p>
@@ -13081,7 +13905,35 @@
                   <a:ea typeface="Droid Sans Mono" panose="020B0609030804020204" pitchFamily="49" charset="0"/>
                   <a:cs typeface="Droid Sans Mono" panose="020B0609030804020204" pitchFamily="49" charset="0"/>
                 </a:rPr>
-                <a:t>                                          36       LOW</a:t>
+                <a:t>                              26     LOW </a:t>
+              </a:r>
+            </a:p>
+            <a:p>
+              <a:pPr marL="92075">
+                <a:lnSpc>
+                  <a:spcPct val="50000"/>
+                </a:lnSpc>
+                <a:spcBef>
+                  <a:spcPts val="600"/>
+                </a:spcBef>
+                <a:defRPr b="0">
+                  <a:solidFill>
+                    <a:srgbClr val="000000"/>
+                  </a:solidFill>
+                </a:defRPr>
+              </a:pPr>
+              <a:r>
+                <a:rPr lang="en-US" sz="1000" b="0" dirty="0">
+                  <a:solidFill>
+                    <a:schemeClr val="bg2">
+                      <a:lumMod val="10000"/>
+                    </a:schemeClr>
+                  </a:solidFill>
+                  <a:latin typeface="Droid Sans Mono" panose="020B0609030804020204" pitchFamily="49" charset="0"/>
+                  <a:ea typeface="Droid Sans Mono" panose="020B0609030804020204" pitchFamily="49" charset="0"/>
+                  <a:cs typeface="Droid Sans Mono" panose="020B0609030804020204" pitchFamily="49" charset="0"/>
+                </a:rPr>
+                <a:t>           NA         Y       32    HIGH</a:t>
               </a:r>
             </a:p>
           </p:txBody>
@@ -13111,7 +13963,7 @@
             </a:ln>
             <a:extLst>
               <a:ext uri="{C572A759-6A51-4108-AA02-DFA0A04FC94B}">
-                <ma14:wrappingTextBoxFlag xmlns="" xmlns:m="http://schemas.openxmlformats.org/officeDocument/2006/math" xmlns:a14="http://schemas.microsoft.com/office/drawing/2010/main" xmlns:ma14="http://schemas.microsoft.com/office/mac/drawingml/2011/main" val="1"/>
+                <ma14:wrappingTextBoxFlag xmlns:ma14="http://schemas.microsoft.com/office/mac/drawingml/2011/main" xmlns:a14="http://schemas.microsoft.com/office/drawing/2010/main" xmlns:m="http://schemas.openxmlformats.org/officeDocument/2006/math" xmlns="" val="1"/>
               </a:ext>
             </a:extLst>
           </p:spPr>
@@ -13185,7 +14037,7 @@
             </a:ln>
             <a:extLst>
               <a:ext uri="{C572A759-6A51-4108-AA02-DFA0A04FC94B}">
-                <ma14:wrappingTextBoxFlag xmlns="" xmlns:m="http://schemas.openxmlformats.org/officeDocument/2006/math" xmlns:a14="http://schemas.microsoft.com/office/drawing/2010/main" xmlns:ma14="http://schemas.microsoft.com/office/mac/drawingml/2011/main" val="1"/>
+                <ma14:wrappingTextBoxFlag xmlns:ma14="http://schemas.microsoft.com/office/mac/drawingml/2011/main" xmlns:a14="http://schemas.microsoft.com/office/drawing/2010/main" xmlns:m="http://schemas.openxmlformats.org/officeDocument/2006/math" xmlns="" val="1"/>
               </a:ext>
             </a:extLst>
           </p:spPr>
@@ -13266,7 +14118,36 @@
                   <a:ea typeface="Droid Sans Mono" panose="020B0609030804020204" pitchFamily="49" charset="0"/>
                   <a:cs typeface="Droid Sans Mono" panose="020B0609030804020204" pitchFamily="49" charset="0"/>
                 </a:rPr>
-                <a:t>  key_cols = c("ARM", "STRATA1", "STRATA2"),</a:t>
+                <a:t>  </a:t>
+              </a:r>
+              <a:r>
+                <a:rPr lang="en-US" sz="1100" b="0" dirty="0">
+                  <a:solidFill>
+                    <a:schemeClr val="bg2">
+                      <a:lumMod val="10000"/>
+                    </a:schemeClr>
+                  </a:solidFill>
+                  <a:highlight>
+                    <a:srgbClr val="FFFF99"/>
+                  </a:highlight>
+                  <a:latin typeface="Droid Sans Mono" panose="020B0609030804020204" pitchFamily="49" charset="0"/>
+                  <a:ea typeface="Droid Sans Mono" panose="020B0609030804020204" pitchFamily="49" charset="0"/>
+                  <a:cs typeface="Droid Sans Mono" panose="020B0609030804020204" pitchFamily="49" charset="0"/>
+                </a:rPr>
+                <a:t>key_cols = c("ARM", "STRATA1", "STRATA2")</a:t>
+              </a:r>
+              <a:r>
+                <a:rPr lang="en-US" sz="1100" b="0" dirty="0">
+                  <a:solidFill>
+                    <a:schemeClr val="bg2">
+                      <a:lumMod val="10000"/>
+                    </a:schemeClr>
+                  </a:solidFill>
+                  <a:latin typeface="Droid Sans Mono" panose="020B0609030804020204" pitchFamily="49" charset="0"/>
+                  <a:ea typeface="Droid Sans Mono" panose="020B0609030804020204" pitchFamily="49" charset="0"/>
+                  <a:cs typeface="Droid Sans Mono" panose="020B0609030804020204" pitchFamily="49" charset="0"/>
+                </a:rPr>
+                <a:t>,</a:t>
               </a:r>
             </a:p>
             <a:p>
@@ -13346,7 +14227,7 @@
             </a:ln>
             <a:extLst>
               <a:ext uri="{C572A759-6A51-4108-AA02-DFA0A04FC94B}">
-                <ma14:wrappingTextBoxFlag xmlns="" xmlns:m="http://schemas.openxmlformats.org/officeDocument/2006/math" xmlns:a14="http://schemas.microsoft.com/office/drawing/2010/main" xmlns:ma14="http://schemas.microsoft.com/office/mac/drawingml/2011/main" val="1"/>
+                <ma14:wrappingTextBoxFlag xmlns:ma14="http://schemas.microsoft.com/office/mac/drawingml/2011/main" xmlns:a14="http://schemas.microsoft.com/office/drawing/2010/main" xmlns:m="http://schemas.openxmlformats.org/officeDocument/2006/math" xmlns="" val="1"/>
               </a:ext>
             </a:extLst>
           </p:spPr>
@@ -13426,7 +14307,7 @@
             </a:ln>
             <a:extLst>
               <a:ext uri="{C572A759-6A51-4108-AA02-DFA0A04FC94B}">
-                <ma14:wrappingTextBoxFlag xmlns="" xmlns:m="http://schemas.openxmlformats.org/officeDocument/2006/math" xmlns:a14="http://schemas.microsoft.com/office/drawing/2010/main" xmlns:ma14="http://schemas.microsoft.com/office/mac/drawingml/2011/main" val="1"/>
+                <ma14:wrappingTextBoxFlag xmlns:ma14="http://schemas.microsoft.com/office/mac/drawingml/2011/main" xmlns:a14="http://schemas.microsoft.com/office/drawing/2010/main" xmlns:m="http://schemas.openxmlformats.org/officeDocument/2006/math" xmlns="" val="1"/>
               </a:ext>
             </a:extLst>
           </p:spPr>
@@ -13601,7 +14482,7 @@
             </a:ln>
             <a:extLst>
               <a:ext uri="{C572A759-6A51-4108-AA02-DFA0A04FC94B}">
-                <ma14:wrappingTextBoxFlag xmlns="" xmlns:m="http://schemas.openxmlformats.org/officeDocument/2006/math" xmlns:a14="http://schemas.microsoft.com/office/drawing/2010/main" xmlns:ma14="http://schemas.microsoft.com/office/mac/drawingml/2011/main" val="1"/>
+                <ma14:wrappingTextBoxFlag xmlns:ma14="http://schemas.microsoft.com/office/mac/drawingml/2011/main" xmlns:a14="http://schemas.microsoft.com/office/drawing/2010/main" xmlns:m="http://schemas.openxmlformats.org/officeDocument/2006/math" xmlns="" val="1"/>
               </a:ext>
             </a:extLst>
           </p:spPr>
@@ -13645,7 +14526,7 @@
             </a:ln>
             <a:extLst>
               <a:ext uri="{C572A759-6A51-4108-AA02-DFA0A04FC94B}">
-                <ma14:wrappingTextBoxFlag xmlns="" xmlns:m="http://schemas.openxmlformats.org/officeDocument/2006/math" xmlns:a14="http://schemas.microsoft.com/office/drawing/2010/main" xmlns:ma14="http://schemas.microsoft.com/office/mac/drawingml/2011/main" val="1"/>
+                <ma14:wrappingTextBoxFlag xmlns:ma14="http://schemas.microsoft.com/office/mac/drawingml/2011/main" xmlns:a14="http://schemas.microsoft.com/office/drawing/2010/main" xmlns:m="http://schemas.openxmlformats.org/officeDocument/2006/math" xmlns="" val="1"/>
               </a:ext>
             </a:extLst>
           </p:spPr>
